--- a/Huong-Nguyen-defense-Jul29.pptx
+++ b/Huong-Nguyen-defense-Jul29.pptx
@@ -5,7 +5,7 @@
     <p:sldMasterId id="2147483660" r:id="rId1"/>
   </p:sldMasterIdLst>
   <p:notesMasterIdLst>
-    <p:notesMasterId r:id="rId22"/>
+    <p:notesMasterId r:id="rId24"/>
   </p:notesMasterIdLst>
   <p:sldIdLst>
     <p:sldId id="268" r:id="rId2"/>
@@ -14,20 +14,22 @@
     <p:sldId id="259" r:id="rId5"/>
     <p:sldId id="282" r:id="rId6"/>
     <p:sldId id="263" r:id="rId7"/>
-    <p:sldId id="283" r:id="rId8"/>
-    <p:sldId id="264" r:id="rId9"/>
-    <p:sldId id="266" r:id="rId10"/>
-    <p:sldId id="265" r:id="rId11"/>
-    <p:sldId id="267" r:id="rId12"/>
-    <p:sldId id="270" r:id="rId13"/>
-    <p:sldId id="269" r:id="rId14"/>
-    <p:sldId id="271" r:id="rId15"/>
-    <p:sldId id="274" r:id="rId16"/>
-    <p:sldId id="272" r:id="rId17"/>
-    <p:sldId id="276" r:id="rId18"/>
-    <p:sldId id="273" r:id="rId19"/>
-    <p:sldId id="279" r:id="rId20"/>
-    <p:sldId id="278" r:id="rId21"/>
+    <p:sldId id="284" r:id="rId8"/>
+    <p:sldId id="283" r:id="rId9"/>
+    <p:sldId id="285" r:id="rId10"/>
+    <p:sldId id="264" r:id="rId11"/>
+    <p:sldId id="266" r:id="rId12"/>
+    <p:sldId id="265" r:id="rId13"/>
+    <p:sldId id="267" r:id="rId14"/>
+    <p:sldId id="270" r:id="rId15"/>
+    <p:sldId id="269" r:id="rId16"/>
+    <p:sldId id="271" r:id="rId17"/>
+    <p:sldId id="274" r:id="rId18"/>
+    <p:sldId id="272" r:id="rId19"/>
+    <p:sldId id="276" r:id="rId20"/>
+    <p:sldId id="273" r:id="rId21"/>
+    <p:sldId id="279" r:id="rId22"/>
+    <p:sldId id="278" r:id="rId23"/>
   </p:sldIdLst>
   <p:sldSz cx="12192000" cy="6858000"/>
   <p:notesSz cx="6858000" cy="9144000"/>
@@ -216,7 +218,7 @@
           <a:p>
             <a:fld id="{0A6EBE3B-5D93-994C-B421-45480EEE743D}" type="datetimeFigureOut">
               <a:rPr lang="en-US" smtClean="0"/>
-              <a:t>7/29/2022</a:t>
+              <a:t>8/2/22</a:t>
             </a:fld>
             <a:endParaRPr lang="en-US"/>
           </a:p>
@@ -671,6 +673,174 @@
     </p:spTree>
     <p:extLst>
       <p:ext uri="{BB962C8B-B14F-4D97-AF65-F5344CB8AC3E}">
+        <p14:creationId xmlns:p14="http://schemas.microsoft.com/office/powerpoint/2010/main" val="2008161619"/>
+      </p:ext>
+    </p:extLst>
+  </p:cSld>
+  <p:clrMapOvr>
+    <a:masterClrMapping/>
+  </p:clrMapOvr>
+</p:notes>
+</file>
+
+<file path=ppt/notesSlides/notesSlide11.xml><?xml version="1.0" encoding="utf-8"?>
+<p:notes xmlns:a="http://schemas.openxmlformats.org/drawingml/2006/main" xmlns:r="http://schemas.openxmlformats.org/officeDocument/2006/relationships" xmlns:p="http://schemas.openxmlformats.org/presentationml/2006/main">
+  <p:cSld>
+    <p:spTree>
+      <p:nvGrpSpPr>
+        <p:cNvPr id="1" name=""/>
+        <p:cNvGrpSpPr/>
+        <p:nvPr/>
+      </p:nvGrpSpPr>
+      <p:grpSpPr>
+        <a:xfrm>
+          <a:off x="0" y="0"/>
+          <a:ext cx="0" cy="0"/>
+          <a:chOff x="0" y="0"/>
+          <a:chExt cx="0" cy="0"/>
+        </a:xfrm>
+      </p:grpSpPr>
+      <p:sp>
+        <p:nvSpPr>
+          <p:cNvPr id="2" name="Slide Image Placeholder 1"/>
+          <p:cNvSpPr>
+            <a:spLocks noGrp="1" noRot="1" noChangeAspect="1"/>
+          </p:cNvSpPr>
+          <p:nvPr>
+            <p:ph type="sldImg"/>
+          </p:nvPr>
+        </p:nvSpPr>
+        <p:spPr/>
+      </p:sp>
+      <p:sp>
+        <p:nvSpPr>
+          <p:cNvPr id="3" name="Notes Placeholder 2"/>
+          <p:cNvSpPr>
+            <a:spLocks noGrp="1"/>
+          </p:cNvSpPr>
+          <p:nvPr>
+            <p:ph type="body" idx="1"/>
+          </p:nvPr>
+        </p:nvSpPr>
+        <p:spPr/>
+        <p:txBody>
+          <a:bodyPr/>
+          <a:lstStyle/>
+          <a:p>
+            <a:endParaRPr lang="en-US" dirty="0"/>
+          </a:p>
+        </p:txBody>
+      </p:sp>
+      <p:sp>
+        <p:nvSpPr>
+          <p:cNvPr id="4" name="Slide Number Placeholder 3"/>
+          <p:cNvSpPr>
+            <a:spLocks noGrp="1"/>
+          </p:cNvSpPr>
+          <p:nvPr>
+            <p:ph type="sldNum" sz="quarter" idx="5"/>
+          </p:nvPr>
+        </p:nvSpPr>
+        <p:spPr/>
+        <p:txBody>
+          <a:bodyPr/>
+          <a:lstStyle/>
+          <a:p>
+            <a:fld id="{5BD97697-FD2B-1E4C-A98F-FF895FE7DC7A}" type="slidenum">
+              <a:rPr lang="en-US" smtClean="0"/>
+              <a:t>14</a:t>
+            </a:fld>
+            <a:endParaRPr lang="en-US"/>
+          </a:p>
+        </p:txBody>
+      </p:sp>
+    </p:spTree>
+    <p:extLst>
+      <p:ext uri="{BB962C8B-B14F-4D97-AF65-F5344CB8AC3E}">
+        <p14:creationId xmlns:p14="http://schemas.microsoft.com/office/powerpoint/2010/main" val="64093895"/>
+      </p:ext>
+    </p:extLst>
+  </p:cSld>
+  <p:clrMapOvr>
+    <a:masterClrMapping/>
+  </p:clrMapOvr>
+</p:notes>
+</file>
+
+<file path=ppt/notesSlides/notesSlide12.xml><?xml version="1.0" encoding="utf-8"?>
+<p:notes xmlns:a="http://schemas.openxmlformats.org/drawingml/2006/main" xmlns:r="http://schemas.openxmlformats.org/officeDocument/2006/relationships" xmlns:p="http://schemas.openxmlformats.org/presentationml/2006/main">
+  <p:cSld>
+    <p:spTree>
+      <p:nvGrpSpPr>
+        <p:cNvPr id="1" name=""/>
+        <p:cNvGrpSpPr/>
+        <p:nvPr/>
+      </p:nvGrpSpPr>
+      <p:grpSpPr>
+        <a:xfrm>
+          <a:off x="0" y="0"/>
+          <a:ext cx="0" cy="0"/>
+          <a:chOff x="0" y="0"/>
+          <a:chExt cx="0" cy="0"/>
+        </a:xfrm>
+      </p:grpSpPr>
+      <p:sp>
+        <p:nvSpPr>
+          <p:cNvPr id="2" name="Slide Image Placeholder 1"/>
+          <p:cNvSpPr>
+            <a:spLocks noGrp="1" noRot="1" noChangeAspect="1"/>
+          </p:cNvSpPr>
+          <p:nvPr>
+            <p:ph type="sldImg"/>
+          </p:nvPr>
+        </p:nvSpPr>
+        <p:spPr/>
+      </p:sp>
+      <p:sp>
+        <p:nvSpPr>
+          <p:cNvPr id="3" name="Notes Placeholder 2"/>
+          <p:cNvSpPr>
+            <a:spLocks noGrp="1"/>
+          </p:cNvSpPr>
+          <p:nvPr>
+            <p:ph type="body" idx="1"/>
+          </p:nvPr>
+        </p:nvSpPr>
+        <p:spPr/>
+        <p:txBody>
+          <a:bodyPr/>
+          <a:lstStyle/>
+          <a:p>
+            <a:endParaRPr lang="en-US" dirty="0"/>
+          </a:p>
+        </p:txBody>
+      </p:sp>
+      <p:sp>
+        <p:nvSpPr>
+          <p:cNvPr id="4" name="Slide Number Placeholder 3"/>
+          <p:cNvSpPr>
+            <a:spLocks noGrp="1"/>
+          </p:cNvSpPr>
+          <p:nvPr>
+            <p:ph type="sldNum" sz="quarter" idx="5"/>
+          </p:nvPr>
+        </p:nvSpPr>
+        <p:spPr/>
+        <p:txBody>
+          <a:bodyPr/>
+          <a:lstStyle/>
+          <a:p>
+            <a:fld id="{5BD97697-FD2B-1E4C-A98F-FF895FE7DC7A}" type="slidenum">
+              <a:rPr lang="en-US" smtClean="0"/>
+              <a:t>15</a:t>
+            </a:fld>
+            <a:endParaRPr lang="en-US"/>
+          </a:p>
+        </p:txBody>
+      </p:sp>
+    </p:spTree>
+    <p:extLst>
+      <p:ext uri="{BB962C8B-B14F-4D97-AF65-F5344CB8AC3E}">
         <p14:creationId xmlns:p14="http://schemas.microsoft.com/office/powerpoint/2010/main" val="496832083"/>
       </p:ext>
     </p:extLst>
@@ -921,32 +1091,31 @@
           <a:bodyPr/>
           <a:lstStyle/>
           <a:p>
-            <a:pPr marL="0" marR="0" lvl="0" indent="0" algn="l" defTabSz="914400" rtl="0" eaLnBrk="1" fontAlgn="auto" latinLnBrk="0" hangingPunct="1">
-              <a:lnSpc>
-                <a:spcPct val="100000"/>
-              </a:lnSpc>
-              <a:spcBef>
-                <a:spcPts val="0"/>
-              </a:spcBef>
-              <a:spcAft>
-                <a:spcPts val="0"/>
-              </a:spcAft>
-              <a:buClrTx/>
-              <a:buSzTx/>
-              <a:buFontTx/>
-              <a:buNone/>
-              <a:tabLst/>
-              <a:defRPr/>
-            </a:pPr>
-            <a:r>
-              <a:rPr lang="en-US" dirty="0"/>
-              <a:t>Context: when the weed grew in association with five crop species (corn, soybean, oat, red clover, and alfalfa) arranged in three rain-fed cropping systems</a:t>
-            </a:r>
-          </a:p>
-          <a:p>
-            <a:endParaRPr lang="en-US" dirty="0"/>
-          </a:p>
-          <a:p>
+            <a:r>
+              <a:rPr lang="en-US" sz="1200" dirty="0"/>
+              <a:t>Question: How does cropping system diversification with cool-season crops change weed aboveground community?</a:t>
+            </a:r>
+          </a:p>
+          <a:p>
+            <a:endParaRPr lang="en-US" sz="1200" dirty="0"/>
+          </a:p>
+          <a:p>
+            <a:r>
+              <a:rPr lang="en-US" sz="1200" dirty="0"/>
+              <a:t>Overall. 34 weed species were found, 20 dicots and 14 monocots</a:t>
+            </a:r>
+          </a:p>
+          <a:p>
+            <a:r>
+              <a:rPr lang="en-US" sz="1200" dirty="0"/>
+              <a:t>Higher weed abundance </a:t>
+            </a:r>
+            <a:r>
+              <a:rPr lang="en-US" sz="1200" dirty="0">
+                <a:sym typeface="Wingdings" pitchFamily="2" charset="2"/>
+              </a:rPr>
+              <a:t> higher diversity and richness indices and lower evenness index</a:t>
+            </a:r>
             <a:endParaRPr lang="en-US" dirty="0"/>
           </a:p>
         </p:txBody>
@@ -977,7 +1146,7 @@
     </p:spTree>
     <p:extLst>
       <p:ext uri="{BB962C8B-B14F-4D97-AF65-F5344CB8AC3E}">
-        <p14:creationId xmlns:p14="http://schemas.microsoft.com/office/powerpoint/2010/main" val="1302247046"/>
+        <p14:creationId xmlns:p14="http://schemas.microsoft.com/office/powerpoint/2010/main" val="2499991026"/>
       </p:ext>
     </p:extLst>
   </p:cSld>
@@ -1031,51 +1200,26 @@
           <a:bodyPr/>
           <a:lstStyle/>
           <a:p>
+            <a:pPr marL="0" marR="0" lvl="0" indent="0" algn="l" defTabSz="914400" rtl="0" eaLnBrk="1" fontAlgn="auto" latinLnBrk="0" hangingPunct="1">
+              <a:lnSpc>
+                <a:spcPct val="100000"/>
+              </a:lnSpc>
+              <a:spcBef>
+                <a:spcPts val="0"/>
+              </a:spcBef>
+              <a:spcAft>
+                <a:spcPts val="0"/>
+              </a:spcAft>
+              <a:buClrTx/>
+              <a:buSzTx/>
+              <a:buFontTx/>
+              <a:buNone/>
+              <a:tabLst/>
+              <a:defRPr/>
+            </a:pPr>
             <a:r>
               <a:rPr lang="en-US" dirty="0"/>
-              <a:t>Questions: </a:t>
-            </a:r>
-          </a:p>
-          <a:p>
-            <a:r>
-              <a:rPr lang="en-US" dirty="0"/>
-              <a:t>1 – How does waterhemp abundance change in different cropping systems?</a:t>
-            </a:r>
-          </a:p>
-          <a:p>
-            <a:r>
-              <a:rPr lang="en-US" dirty="0"/>
-              <a:t>2 – How can aboveground mass be used to parsimoniously estimate fecundity? </a:t>
-            </a:r>
-          </a:p>
-          <a:p>
-            <a:endParaRPr lang="en-US" dirty="0"/>
-          </a:p>
-          <a:p>
-            <a:r>
-              <a:rPr lang="en-US" dirty="0"/>
-              <a:t>Left: weed abundance, by density and aboveground mass, 2018 and 2019</a:t>
-            </a:r>
-          </a:p>
-          <a:p>
-            <a:endParaRPr lang="en-US" dirty="0"/>
-          </a:p>
-          <a:p>
-            <a:r>
-              <a:rPr lang="en-US" dirty="0"/>
-              <a:t>Right:  Reproductive potential: 2018 data</a:t>
-            </a:r>
-          </a:p>
-          <a:p>
-            <a:r>
-              <a:rPr lang="en-US" dirty="0"/>
-              <a:t>Fecundity index = ln(seed + 1)</a:t>
-            </a:r>
-          </a:p>
-          <a:p>
-            <a:r>
-              <a:rPr lang="en-US" dirty="0"/>
-              <a:t>Biomass index = ln(biomass + 0.005)</a:t>
+              <a:t>Context: when the weed grew in association with five crop species (corn, soybean, oat, red clover, and alfalfa) arranged in three rain-fed cropping systems</a:t>
             </a:r>
           </a:p>
           <a:p>
@@ -1112,7 +1256,7 @@
     </p:spTree>
     <p:extLst>
       <p:ext uri="{BB962C8B-B14F-4D97-AF65-F5344CB8AC3E}">
-        <p14:creationId xmlns:p14="http://schemas.microsoft.com/office/powerpoint/2010/main" val="595789271"/>
+        <p14:creationId xmlns:p14="http://schemas.microsoft.com/office/powerpoint/2010/main" val="1302247046"/>
       </p:ext>
     </p:extLst>
   </p:cSld>
@@ -1168,7 +1312,19 @@
           <a:p>
             <a:r>
               <a:rPr lang="en-US" dirty="0"/>
-              <a:t>Question: Does population sex ratio changes between cropping systems?</a:t>
+              <a:t>Questions: </a:t>
+            </a:r>
+          </a:p>
+          <a:p>
+            <a:r>
+              <a:rPr lang="en-US" dirty="0"/>
+              <a:t>1 – How does waterhemp abundance change in different cropping systems?</a:t>
+            </a:r>
+          </a:p>
+          <a:p>
+            <a:r>
+              <a:rPr lang="en-US" dirty="0"/>
+              <a:t>2 – How can aboveground mass be used to parsimoniously estimate fecundity? </a:t>
             </a:r>
           </a:p>
           <a:p>
@@ -1177,7 +1333,7 @@
           <a:p>
             <a:r>
               <a:rPr lang="en-US" dirty="0"/>
-              <a:t>Answer: Maybe in O3 </a:t>
+              <a:t>Left: weed abundance, by density and aboveground mass, 2018 and 2019</a:t>
             </a:r>
           </a:p>
           <a:p>
@@ -1186,17 +1342,26 @@
           <a:p>
             <a:r>
               <a:rPr lang="en-US" dirty="0"/>
-              <a:t>Left: 2018 sex ratio with original data</a:t>
+              <a:t>Right:  Reproductive potential: 2018 data</a:t>
+            </a:r>
+          </a:p>
+          <a:p>
+            <a:r>
+              <a:rPr lang="en-US" dirty="0"/>
+              <a:t>Fecundity index = ln(seed + 1)</a:t>
+            </a:r>
+          </a:p>
+          <a:p>
+            <a:r>
+              <a:rPr lang="en-US" dirty="0"/>
+              <a:t>Biomass index = ln(biomass + 0.005)</a:t>
             </a:r>
           </a:p>
           <a:p>
             <a:endParaRPr lang="en-US" dirty="0"/>
           </a:p>
           <a:p>
-            <a:r>
-              <a:rPr lang="en-US" dirty="0"/>
-              <a:t>Right: 2019 sex ratio with imputed data. 2019 herbicide efficacy was very high.</a:t>
-            </a:r>
+            <a:endParaRPr lang="en-US" dirty="0"/>
           </a:p>
         </p:txBody>
       </p:sp>
@@ -1226,7 +1391,7 @@
     </p:spTree>
     <p:extLst>
       <p:ext uri="{BB962C8B-B14F-4D97-AF65-F5344CB8AC3E}">
-        <p14:creationId xmlns:p14="http://schemas.microsoft.com/office/powerpoint/2010/main" val="1003654165"/>
+        <p14:creationId xmlns:p14="http://schemas.microsoft.com/office/powerpoint/2010/main" val="2668312992"/>
       </p:ext>
     </p:extLst>
   </p:cSld>
@@ -1282,7 +1447,19 @@
           <a:p>
             <a:r>
               <a:rPr lang="en-US" dirty="0"/>
-              <a:t>An ongoing project that use structured population parameters: 2 soil depths and 6 plant cohorts. </a:t>
+              <a:t>Questions: </a:t>
+            </a:r>
+          </a:p>
+          <a:p>
+            <a:r>
+              <a:rPr lang="en-US" dirty="0"/>
+              <a:t>1 – How does waterhemp abundance change in different cropping systems?</a:t>
+            </a:r>
+          </a:p>
+          <a:p>
+            <a:r>
+              <a:rPr lang="en-US" dirty="0"/>
+              <a:t>2 – How can aboveground mass be used to parsimoniously estimate fecundity? </a:t>
             </a:r>
           </a:p>
           <a:p>
@@ -1291,12 +1468,34 @@
           <a:p>
             <a:r>
               <a:rPr lang="en-US" dirty="0"/>
-              <a:t>Current observation: population growth is the most sensitive to the seedbank density and the success rate of cohort </a:t>
-            </a:r>
-            <a:r>
-              <a:rPr lang="en-US"/>
-              <a:t>1 establishment. </a:t>
-            </a:r>
+              <a:t>Left: weed abundance, by density and aboveground mass, 2018 and 2019</a:t>
+            </a:r>
+          </a:p>
+          <a:p>
+            <a:endParaRPr lang="en-US" dirty="0"/>
+          </a:p>
+          <a:p>
+            <a:r>
+              <a:rPr lang="en-US" dirty="0"/>
+              <a:t>Right:  Reproductive potential: 2018 data</a:t>
+            </a:r>
+          </a:p>
+          <a:p>
+            <a:r>
+              <a:rPr lang="en-US" dirty="0"/>
+              <a:t>Fecundity index = ln(seed + 1)</a:t>
+            </a:r>
+          </a:p>
+          <a:p>
+            <a:r>
+              <a:rPr lang="en-US" dirty="0"/>
+              <a:t>Biomass index = ln(biomass + 0.005)</a:t>
+            </a:r>
+          </a:p>
+          <a:p>
+            <a:endParaRPr lang="en-US" dirty="0"/>
+          </a:p>
+          <a:p>
             <a:endParaRPr lang="en-US" dirty="0"/>
           </a:p>
         </p:txBody>
@@ -1327,7 +1526,7 @@
     </p:spTree>
     <p:extLst>
       <p:ext uri="{BB962C8B-B14F-4D97-AF65-F5344CB8AC3E}">
-        <p14:creationId xmlns:p14="http://schemas.microsoft.com/office/powerpoint/2010/main" val="350138273"/>
+        <p14:creationId xmlns:p14="http://schemas.microsoft.com/office/powerpoint/2010/main" val="595789271"/>
       </p:ext>
     </p:extLst>
   </p:cSld>
@@ -1381,7 +1580,37 @@
           <a:bodyPr/>
           <a:lstStyle/>
           <a:p>
+            <a:r>
+              <a:rPr lang="en-US" dirty="0"/>
+              <a:t>Question: Does population sex ratio changes between cropping systems?</a:t>
+            </a:r>
+          </a:p>
+          <a:p>
             <a:endParaRPr lang="en-US" dirty="0"/>
+          </a:p>
+          <a:p>
+            <a:r>
+              <a:rPr lang="en-US" dirty="0"/>
+              <a:t>Answer: Maybe in O3 </a:t>
+            </a:r>
+          </a:p>
+          <a:p>
+            <a:endParaRPr lang="en-US" dirty="0"/>
+          </a:p>
+          <a:p>
+            <a:r>
+              <a:rPr lang="en-US" dirty="0"/>
+              <a:t>Left: 2018 sex ratio with original data</a:t>
+            </a:r>
+          </a:p>
+          <a:p>
+            <a:endParaRPr lang="en-US" dirty="0"/>
+          </a:p>
+          <a:p>
+            <a:r>
+              <a:rPr lang="en-US" dirty="0"/>
+              <a:t>Right: 2019 sex ratio with imputed data. 2019 herbicide efficacy was very high.</a:t>
+            </a:r>
           </a:p>
         </p:txBody>
       </p:sp>
@@ -1411,7 +1640,7 @@
     </p:spTree>
     <p:extLst>
       <p:ext uri="{BB962C8B-B14F-4D97-AF65-F5344CB8AC3E}">
-        <p14:creationId xmlns:p14="http://schemas.microsoft.com/office/powerpoint/2010/main" val="2008161619"/>
+        <p14:creationId xmlns:p14="http://schemas.microsoft.com/office/powerpoint/2010/main" val="1003654165"/>
       </p:ext>
     </p:extLst>
   </p:cSld>
@@ -1465,6 +1694,23 @@
           <a:bodyPr/>
           <a:lstStyle/>
           <a:p>
+            <a:r>
+              <a:rPr lang="en-US" dirty="0"/>
+              <a:t>An ongoing project that use structured population parameters: 2 soil depths and 6 plant cohorts. </a:t>
+            </a:r>
+          </a:p>
+          <a:p>
+            <a:endParaRPr lang="en-US" dirty="0"/>
+          </a:p>
+          <a:p>
+            <a:r>
+              <a:rPr lang="en-US" dirty="0"/>
+              <a:t>Current observation: population growth is the most sensitive to the seedbank density and the success rate of cohort </a:t>
+            </a:r>
+            <a:r>
+              <a:rPr lang="en-US"/>
+              <a:t>1 establishment. </a:t>
+            </a:r>
             <a:endParaRPr lang="en-US" dirty="0"/>
           </a:p>
         </p:txBody>
@@ -1495,7 +1741,7 @@
     </p:spTree>
     <p:extLst>
       <p:ext uri="{BB962C8B-B14F-4D97-AF65-F5344CB8AC3E}">
-        <p14:creationId xmlns:p14="http://schemas.microsoft.com/office/powerpoint/2010/main" val="64093895"/>
+        <p14:creationId xmlns:p14="http://schemas.microsoft.com/office/powerpoint/2010/main" val="350138273"/>
       </p:ext>
     </p:extLst>
   </p:cSld>
@@ -1636,7 +1882,7 @@
           <a:p>
             <a:fld id="{EE8BA6BB-965A-2E45-97ED-2A02E6152283}" type="datetimeFigureOut">
               <a:rPr lang="en-US" smtClean="0"/>
-              <a:t>7/29/2022</a:t>
+              <a:t>8/2/22</a:t>
             </a:fld>
             <a:endParaRPr lang="en-US"/>
           </a:p>
@@ -1806,7 +2052,7 @@
           <a:p>
             <a:fld id="{EE8BA6BB-965A-2E45-97ED-2A02E6152283}" type="datetimeFigureOut">
               <a:rPr lang="en-US" smtClean="0"/>
-              <a:t>7/29/2022</a:t>
+              <a:t>8/2/22</a:t>
             </a:fld>
             <a:endParaRPr lang="en-US"/>
           </a:p>
@@ -1986,7 +2232,7 @@
           <a:p>
             <a:fld id="{EE8BA6BB-965A-2E45-97ED-2A02E6152283}" type="datetimeFigureOut">
               <a:rPr lang="en-US" smtClean="0"/>
-              <a:t>7/29/2022</a:t>
+              <a:t>8/2/22</a:t>
             </a:fld>
             <a:endParaRPr lang="en-US"/>
           </a:p>
@@ -2156,7 +2402,7 @@
           <a:p>
             <a:fld id="{EE8BA6BB-965A-2E45-97ED-2A02E6152283}" type="datetimeFigureOut">
               <a:rPr lang="en-US" smtClean="0"/>
-              <a:t>7/29/2022</a:t>
+              <a:t>8/2/22</a:t>
             </a:fld>
             <a:endParaRPr lang="en-US"/>
           </a:p>
@@ -2402,7 +2648,7 @@
           <a:p>
             <a:fld id="{EE8BA6BB-965A-2E45-97ED-2A02E6152283}" type="datetimeFigureOut">
               <a:rPr lang="en-US" smtClean="0"/>
-              <a:t>7/29/2022</a:t>
+              <a:t>8/2/22</a:t>
             </a:fld>
             <a:endParaRPr lang="en-US"/>
           </a:p>
@@ -2634,7 +2880,7 @@
           <a:p>
             <a:fld id="{EE8BA6BB-965A-2E45-97ED-2A02E6152283}" type="datetimeFigureOut">
               <a:rPr lang="en-US" smtClean="0"/>
-              <a:t>7/29/2022</a:t>
+              <a:t>8/2/22</a:t>
             </a:fld>
             <a:endParaRPr lang="en-US"/>
           </a:p>
@@ -3001,7 +3247,7 @@
           <a:p>
             <a:fld id="{EE8BA6BB-965A-2E45-97ED-2A02E6152283}" type="datetimeFigureOut">
               <a:rPr lang="en-US" smtClean="0"/>
-              <a:t>7/29/2022</a:t>
+              <a:t>8/2/22</a:t>
             </a:fld>
             <a:endParaRPr lang="en-US"/>
           </a:p>
@@ -3119,7 +3365,7 @@
           <a:p>
             <a:fld id="{EE8BA6BB-965A-2E45-97ED-2A02E6152283}" type="datetimeFigureOut">
               <a:rPr lang="en-US" smtClean="0"/>
-              <a:t>7/29/2022</a:t>
+              <a:t>8/2/22</a:t>
             </a:fld>
             <a:endParaRPr lang="en-US"/>
           </a:p>
@@ -3214,7 +3460,7 @@
           <a:p>
             <a:fld id="{EE8BA6BB-965A-2E45-97ED-2A02E6152283}" type="datetimeFigureOut">
               <a:rPr lang="en-US" smtClean="0"/>
-              <a:t>7/29/2022</a:t>
+              <a:t>8/2/22</a:t>
             </a:fld>
             <a:endParaRPr lang="en-US"/>
           </a:p>
@@ -3491,7 +3737,7 @@
           <a:p>
             <a:fld id="{EE8BA6BB-965A-2E45-97ED-2A02E6152283}" type="datetimeFigureOut">
               <a:rPr lang="en-US" smtClean="0"/>
-              <a:t>7/29/2022</a:t>
+              <a:t>8/2/22</a:t>
             </a:fld>
             <a:endParaRPr lang="en-US"/>
           </a:p>
@@ -3748,7 +3994,7 @@
           <a:p>
             <a:fld id="{EE8BA6BB-965A-2E45-97ED-2A02E6152283}" type="datetimeFigureOut">
               <a:rPr lang="en-US" smtClean="0"/>
-              <a:t>7/29/2022</a:t>
+              <a:t>8/2/22</a:t>
             </a:fld>
             <a:endParaRPr lang="en-US"/>
           </a:p>
@@ -3961,7 +4207,7 @@
           <a:p>
             <a:fld id="{EE8BA6BB-965A-2E45-97ED-2A02E6152283}" type="datetimeFigureOut">
               <a:rPr lang="en-US" smtClean="0"/>
-              <a:t>7/29/2022</a:t>
+              <a:t>8/2/22</a:t>
             </a:fld>
             <a:endParaRPr lang="en-US"/>
           </a:p>
@@ -4925,6 +5171,14 @@
 <file path=ppt/slides/slide10.xml><?xml version="1.0" encoding="utf-8"?>
 <p:sld xmlns:a="http://schemas.openxmlformats.org/drawingml/2006/main" xmlns:r="http://schemas.openxmlformats.org/officeDocument/2006/relationships" xmlns:p="http://schemas.openxmlformats.org/presentationml/2006/main">
   <p:cSld>
+    <p:bg>
+      <p:bgPr>
+        <a:solidFill>
+          <a:schemeClr val="bg1"/>
+        </a:solidFill>
+        <a:effectLst/>
+      </p:bgPr>
+    </p:bg>
     <p:spTree>
       <p:nvGrpSpPr>
         <p:cNvPr id="1" name=""/>
@@ -4939,6 +5193,306 @@
           <a:chExt cx="0" cy="0"/>
         </a:xfrm>
       </p:grpSpPr>
+      <p:pic>
+        <p:nvPicPr>
+          <p:cNvPr id="4098" name="Picture 2">
+            <a:extLst>
+              <a:ext uri="{FF2B5EF4-FFF2-40B4-BE49-F238E27FC236}">
+                <a16:creationId xmlns:a16="http://schemas.microsoft.com/office/drawing/2014/main" id="{78CB3A5C-A799-8A46-B030-AFA6FCCE41AB}"/>
+              </a:ext>
+            </a:extLst>
+          </p:cNvPr>
+          <p:cNvPicPr>
+            <a:picLocks noChangeAspect="1" noChangeArrowheads="1"/>
+          </p:cNvPicPr>
+          <p:nvPr/>
+        </p:nvPicPr>
+        <p:blipFill>
+          <a:blip r:embed="rId3">
+            <a:extLst>
+              <a:ext uri="{28A0092B-C50C-407E-A947-70E740481C1C}">
+                <a14:useLocalDpi xmlns:a14="http://schemas.microsoft.com/office/drawing/2010/main" val="0"/>
+              </a:ext>
+            </a:extLst>
+          </a:blip>
+          <a:stretch>
+            <a:fillRect/>
+          </a:stretch>
+        </p:blipFill>
+        <p:spPr bwMode="auto">
+          <a:xfrm>
+            <a:off x="192698" y="90741"/>
+            <a:ext cx="5386692" cy="6733367"/>
+          </a:xfrm>
+          <a:prstGeom prst="rect">
+            <a:avLst/>
+          </a:prstGeom>
+          <a:extLst>
+            <a:ext uri="{909E8E84-426E-40DD-AFC4-6F175D3DCCD1}">
+              <a14:hiddenFill xmlns:a14="http://schemas.microsoft.com/office/drawing/2010/main">
+                <a:solidFill>
+                  <a:srgbClr val="FFFFFF"/>
+                </a:solidFill>
+              </a14:hiddenFill>
+            </a:ext>
+          </a:extLst>
+        </p:spPr>
+      </p:pic>
+      <p:sp>
+        <p:nvSpPr>
+          <p:cNvPr id="3" name="Title 2">
+            <a:extLst>
+              <a:ext uri="{FF2B5EF4-FFF2-40B4-BE49-F238E27FC236}">
+                <a16:creationId xmlns:a16="http://schemas.microsoft.com/office/drawing/2014/main" id="{29C1611F-0FD5-CA85-3B50-55E966378F5E}"/>
+              </a:ext>
+            </a:extLst>
+          </p:cNvPr>
+          <p:cNvSpPr>
+            <a:spLocks noGrp="1"/>
+          </p:cNvSpPr>
+          <p:nvPr>
+            <p:ph type="title"/>
+          </p:nvPr>
+        </p:nvSpPr>
+        <p:spPr>
+          <a:xfrm>
+            <a:off x="6096000" y="365125"/>
+            <a:ext cx="5257800" cy="4454848"/>
+          </a:xfrm>
+        </p:spPr>
+        <p:txBody>
+          <a:bodyPr/>
+          <a:lstStyle/>
+          <a:p>
+            <a:r>
+              <a:rPr lang="en-US" dirty="0"/>
+              <a:t>The effects of crop identity and corn weed management on waterhemp </a:t>
+            </a:r>
+            <a:r>
+              <a:rPr lang="en-US" dirty="0" err="1"/>
+              <a:t>fecundiy</a:t>
+            </a:r>
+            <a:r>
+              <a:rPr lang="en-US" dirty="0"/>
+              <a:t> are </a:t>
+            </a:r>
+          </a:p>
+        </p:txBody>
+      </p:sp>
+    </p:spTree>
+    <p:extLst>
+      <p:ext uri="{BB962C8B-B14F-4D97-AF65-F5344CB8AC3E}">
+        <p14:creationId xmlns:p14="http://schemas.microsoft.com/office/powerpoint/2010/main" val="595289302"/>
+      </p:ext>
+    </p:extLst>
+  </p:cSld>
+  <p:clrMapOvr>
+    <a:masterClrMapping/>
+  </p:clrMapOvr>
+</p:sld>
+</file>
+
+<file path=ppt/slides/slide11.xml><?xml version="1.0" encoding="utf-8"?>
+<p:sld xmlns:a="http://schemas.openxmlformats.org/drawingml/2006/main" xmlns:r="http://schemas.openxmlformats.org/officeDocument/2006/relationships" xmlns:p="http://schemas.openxmlformats.org/presentationml/2006/main">
+  <p:cSld>
+    <p:spTree>
+      <p:nvGrpSpPr>
+        <p:cNvPr id="1" name=""/>
+        <p:cNvGrpSpPr/>
+        <p:nvPr/>
+      </p:nvGrpSpPr>
+      <p:grpSpPr>
+        <a:xfrm>
+          <a:off x="0" y="0"/>
+          <a:ext cx="0" cy="0"/>
+          <a:chOff x="0" y="0"/>
+          <a:chExt cx="0" cy="0"/>
+        </a:xfrm>
+      </p:grpSpPr>
+      <p:sp>
+        <p:nvSpPr>
+          <p:cNvPr id="2" name="Title 1">
+            <a:extLst>
+              <a:ext uri="{FF2B5EF4-FFF2-40B4-BE49-F238E27FC236}">
+                <a16:creationId xmlns:a16="http://schemas.microsoft.com/office/drawing/2014/main" id="{1FF7959B-0B6F-1A44-BEC4-52A52C742328}"/>
+              </a:ext>
+            </a:extLst>
+          </p:cNvPr>
+          <p:cNvSpPr>
+            <a:spLocks noGrp="1"/>
+          </p:cNvSpPr>
+          <p:nvPr>
+            <p:ph type="title"/>
+          </p:nvPr>
+        </p:nvSpPr>
+        <p:spPr/>
+        <p:txBody>
+          <a:bodyPr/>
+          <a:lstStyle/>
+          <a:p>
+            <a:endParaRPr lang="en-US"/>
+          </a:p>
+        </p:txBody>
+      </p:sp>
+      <p:pic>
+        <p:nvPicPr>
+          <p:cNvPr id="4" name="Picture 4">
+            <a:extLst>
+              <a:ext uri="{FF2B5EF4-FFF2-40B4-BE49-F238E27FC236}">
+                <a16:creationId xmlns:a16="http://schemas.microsoft.com/office/drawing/2014/main" id="{5EFFA116-7299-B145-A583-9042872B4DB3}"/>
+              </a:ext>
+            </a:extLst>
+          </p:cNvPr>
+          <p:cNvPicPr>
+            <a:picLocks noGrp="1" noChangeAspect="1" noChangeArrowheads="1"/>
+          </p:cNvPicPr>
+          <p:nvPr>
+            <p:ph idx="1"/>
+          </p:nvPr>
+        </p:nvPicPr>
+        <p:blipFill>
+          <a:blip r:embed="rId3">
+            <a:extLst>
+              <a:ext uri="{28A0092B-C50C-407E-A947-70E740481C1C}">
+                <a14:useLocalDpi xmlns:a14="http://schemas.microsoft.com/office/drawing/2010/main" val="0"/>
+              </a:ext>
+            </a:extLst>
+          </a:blip>
+          <a:srcRect/>
+          <a:stretch>
+            <a:fillRect/>
+          </a:stretch>
+        </p:blipFill>
+        <p:spPr bwMode="auto">
+          <a:xfrm>
+            <a:off x="343780" y="95461"/>
+            <a:ext cx="5400676" cy="6758650"/>
+          </a:xfrm>
+          <a:prstGeom prst="rect">
+            <a:avLst/>
+          </a:prstGeom>
+          <a:extLst>
+            <a:ext uri="{909E8E84-426E-40DD-AFC4-6F175D3DCCD1}">
+              <a14:hiddenFill xmlns:a14="http://schemas.microsoft.com/office/drawing/2010/main">
+                <a:solidFill>
+                  <a:srgbClr val="FFFFFF"/>
+                </a:solidFill>
+              </a14:hiddenFill>
+            </a:ext>
+          </a:extLst>
+        </p:spPr>
+      </p:pic>
+      <p:pic>
+        <p:nvPicPr>
+          <p:cNvPr id="6" name="Picture 6">
+            <a:extLst>
+              <a:ext uri="{FF2B5EF4-FFF2-40B4-BE49-F238E27FC236}">
+                <a16:creationId xmlns:a16="http://schemas.microsoft.com/office/drawing/2014/main" id="{388A6D3F-044A-FE40-A911-5CFD18E21F20}"/>
+              </a:ext>
+            </a:extLst>
+          </p:cNvPr>
+          <p:cNvPicPr>
+            <a:picLocks noChangeAspect="1" noChangeArrowheads="1"/>
+          </p:cNvPicPr>
+          <p:nvPr/>
+        </p:nvPicPr>
+        <p:blipFill>
+          <a:blip r:embed="rId4">
+            <a:extLst>
+              <a:ext uri="{28A0092B-C50C-407E-A947-70E740481C1C}">
+                <a14:useLocalDpi xmlns:a14="http://schemas.microsoft.com/office/drawing/2010/main" val="0"/>
+              </a:ext>
+            </a:extLst>
+          </a:blip>
+          <a:srcRect/>
+          <a:stretch>
+            <a:fillRect/>
+          </a:stretch>
+        </p:blipFill>
+        <p:spPr bwMode="auto">
+          <a:xfrm>
+            <a:off x="6361817" y="55520"/>
+            <a:ext cx="5400675" cy="6755727"/>
+          </a:xfrm>
+          <a:prstGeom prst="rect">
+            <a:avLst/>
+          </a:prstGeom>
+          <a:extLst>
+            <a:ext uri="{909E8E84-426E-40DD-AFC4-6F175D3DCCD1}">
+              <a14:hiddenFill xmlns:a14="http://schemas.microsoft.com/office/drawing/2010/main">
+                <a:solidFill>
+                  <a:srgbClr val="FFFFFF"/>
+                </a:solidFill>
+              </a14:hiddenFill>
+            </a:ext>
+          </a:extLst>
+        </p:spPr>
+      </p:pic>
+      <p:sp>
+        <p:nvSpPr>
+          <p:cNvPr id="5" name="TextBox 4">
+            <a:extLst>
+              <a:ext uri="{FF2B5EF4-FFF2-40B4-BE49-F238E27FC236}">
+                <a16:creationId xmlns:a16="http://schemas.microsoft.com/office/drawing/2014/main" id="{99D285B0-897D-4749-A0E5-7608C3FE3E1B}"/>
+              </a:ext>
+            </a:extLst>
+          </p:cNvPr>
+          <p:cNvSpPr txBox="1"/>
+          <p:nvPr/>
+        </p:nvSpPr>
+        <p:spPr>
+          <a:xfrm>
+            <a:off x="1401059" y="-4207"/>
+            <a:ext cx="1728787" cy="369332"/>
+          </a:xfrm>
+          <a:prstGeom prst="rect">
+            <a:avLst/>
+          </a:prstGeom>
+          <a:noFill/>
+        </p:spPr>
+        <p:txBody>
+          <a:bodyPr wrap="square" rtlCol="0">
+            <a:spAutoFit/>
+          </a:bodyPr>
+          <a:lstStyle/>
+          <a:p>
+            <a:r>
+              <a:rPr lang="en-US" dirty="0"/>
+              <a:t>2018 sex ratio</a:t>
+            </a:r>
+          </a:p>
+        </p:txBody>
+      </p:sp>
+    </p:spTree>
+    <p:extLst>
+      <p:ext uri="{BB962C8B-B14F-4D97-AF65-F5344CB8AC3E}">
+        <p14:creationId xmlns:p14="http://schemas.microsoft.com/office/powerpoint/2010/main" val="423865031"/>
+      </p:ext>
+    </p:extLst>
+  </p:cSld>
+  <p:clrMapOvr>
+    <a:masterClrMapping/>
+  </p:clrMapOvr>
+</p:sld>
+</file>
+
+<file path=ppt/slides/slide12.xml><?xml version="1.0" encoding="utf-8"?>
+<p:sld xmlns:a="http://schemas.openxmlformats.org/drawingml/2006/main" xmlns:r="http://schemas.openxmlformats.org/officeDocument/2006/relationships" xmlns:p="http://schemas.openxmlformats.org/presentationml/2006/main">
+  <p:cSld>
+    <p:spTree>
+      <p:nvGrpSpPr>
+        <p:cNvPr id="1" name=""/>
+        <p:cNvGrpSpPr/>
+        <p:nvPr/>
+      </p:nvGrpSpPr>
+      <p:grpSpPr>
+        <a:xfrm>
+          <a:off x="0" y="0"/>
+          <a:ext cx="0" cy="0"/>
+          <a:chOff x="0" y="0"/>
+          <a:chExt cx="0" cy="0"/>
+        </a:xfrm>
+      </p:grpSpPr>
       <p:sp>
         <p:nvSpPr>
           <p:cNvPr id="2" name="Title 1">
@@ -5043,7 +5597,7 @@
 </p:sld>
 </file>
 
-<file path=ppt/slides/slide11.xml><?xml version="1.0" encoding="utf-8"?>
+<file path=ppt/slides/slide13.xml><?xml version="1.0" encoding="utf-8"?>
 <p:sld xmlns:a="http://schemas.openxmlformats.org/drawingml/2006/main" xmlns:r="http://schemas.openxmlformats.org/officeDocument/2006/relationships" xmlns:p="http://schemas.openxmlformats.org/presentationml/2006/main">
   <p:cSld>
     <p:spTree>
@@ -5245,8 +5799,8 @@
           </a:p>
         </p:txBody>
       </p:sp>
-      <mc:AlternateContent xmlns:mc="http://schemas.openxmlformats.org/markup-compatibility/2006">
-        <mc:Choice xmlns:a14="http://schemas.microsoft.com/office/drawing/2010/main" Requires="a14">
+      <mc:AlternateContent xmlns:mc="http://schemas.openxmlformats.org/markup-compatibility/2006" xmlns:a14="http://schemas.microsoft.com/office/drawing/2010/main">
+        <mc:Choice Requires="a14">
           <p:sp>
             <p:nvSpPr>
               <p:cNvPr id="6" name="Rectangle 5">
@@ -5274,6 +5828,7 @@
               </a:bodyPr>
               <a:lstStyle/>
               <a:p>
+                <a:pPr/>
                 <a14:m>
                   <m:oMathPara xmlns:m="http://schemas.openxmlformats.org/officeDocument/2006/math">
                     <m:oMathParaPr>
@@ -5562,7 +6117,7 @@
             </p:txBody>
           </p:sp>
         </mc:Choice>
-        <mc:Fallback>
+        <mc:Fallback xmlns="">
           <p:sp>
             <p:nvSpPr>
               <p:cNvPr id="6" name="Rectangle 5">
@@ -5607,8 +6162,8 @@
           </p:sp>
         </mc:Fallback>
       </mc:AlternateContent>
-      <mc:AlternateContent xmlns:mc="http://schemas.openxmlformats.org/markup-compatibility/2006">
-        <mc:Choice xmlns:a14="http://schemas.microsoft.com/office/drawing/2010/main" Requires="a14">
+      <mc:AlternateContent xmlns:mc="http://schemas.openxmlformats.org/markup-compatibility/2006" xmlns:a14="http://schemas.microsoft.com/office/drawing/2010/main">
+        <mc:Choice Requires="a14">
           <p:sp>
             <p:nvSpPr>
               <p:cNvPr id="7" name="Rectangle 6">
@@ -5641,7 +6196,7 @@
                     <m:sSub>
                       <m:sSubPr>
                         <m:ctrlPr>
-                          <a:rPr lang="en-US" sz="3600" b="1" smtClean="0">
+                          <a:rPr lang="en-US" sz="3600" b="1" i="1" smtClean="0">
                             <a:solidFill>
                               <a:srgbClr val="FF0000"/>
                             </a:solidFill>
@@ -5932,7 +6487,7 @@
             </p:txBody>
           </p:sp>
         </mc:Choice>
-        <mc:Fallback>
+        <mc:Fallback xmlns="">
           <p:sp>
             <p:nvSpPr>
               <p:cNvPr id="7" name="Rectangle 6">
@@ -5990,7 +6545,7 @@
 </p:sld>
 </file>
 
-<file path=ppt/slides/slide12.xml><?xml version="1.0" encoding="utf-8"?>
+<file path=ppt/slides/slide14.xml><?xml version="1.0" encoding="utf-8"?>
 <p:sld xmlns:a="http://schemas.openxmlformats.org/drawingml/2006/main" xmlns:r="http://schemas.openxmlformats.org/officeDocument/2006/relationships" xmlns:p="http://schemas.openxmlformats.org/presentationml/2006/main">
   <p:cSld>
     <p:spTree>
@@ -6085,8 +6640,8 @@
           </a:ln>
         </p:spPr>
       </p:pic>
-      <mc:AlternateContent xmlns:mc="http://schemas.openxmlformats.org/markup-compatibility/2006">
-        <mc:Choice xmlns:a14="http://schemas.microsoft.com/office/drawing/2010/main" Requires="a14">
+      <mc:AlternateContent xmlns:mc="http://schemas.openxmlformats.org/markup-compatibility/2006" xmlns:a14="http://schemas.microsoft.com/office/drawing/2010/main">
+        <mc:Choice Requires="a14">
           <p:sp>
             <p:nvSpPr>
               <p:cNvPr id="2" name="TextBox 1">
@@ -6150,6 +6705,7 @@
                         <a:solidFill>
                           <a:srgbClr val="FF0000"/>
                         </a:solidFill>
+                        <a:latin typeface="Cambria Math" panose="02040503050406030204" pitchFamily="18" charset="0"/>
                       </a:rPr>
                       <m:t>𝝀</m:t>
                     </m:r>
@@ -6172,7 +6728,7 @@
             </p:txBody>
           </p:sp>
         </mc:Choice>
-        <mc:Fallback>
+        <mc:Fallback xmlns="">
           <p:sp>
             <p:nvSpPr>
               <p:cNvPr id="2" name="TextBox 1">
@@ -6230,7 +6786,7 @@
 </p:sld>
 </file>
 
-<file path=ppt/slides/slide13.xml><?xml version="1.0" encoding="utf-8"?>
+<file path=ppt/slides/slide15.xml><?xml version="1.0" encoding="utf-8"?>
 <p:sld xmlns:a="http://schemas.openxmlformats.org/drawingml/2006/main" xmlns:r="http://schemas.openxmlformats.org/officeDocument/2006/relationships" xmlns:p="http://schemas.openxmlformats.org/presentationml/2006/main">
   <p:cSld>
     <p:spTree>
@@ -6270,7 +6826,9 @@
           </a:xfrm>
         </p:spPr>
         <p:txBody>
-          <a:bodyPr/>
+          <a:bodyPr>
+            <a:normAutofit fontScale="90000"/>
+          </a:bodyPr>
           <a:lstStyle/>
           <a:p>
             <a:r>
@@ -6321,8 +6879,8 @@
           </a:ln>
         </p:spPr>
       </p:pic>
-      <mc:AlternateContent xmlns:mc="http://schemas.openxmlformats.org/markup-compatibility/2006">
-        <mc:Choice xmlns:a14="http://schemas.microsoft.com/office/drawing/2010/main" Requires="a14">
+      <mc:AlternateContent xmlns:mc="http://schemas.openxmlformats.org/markup-compatibility/2006" xmlns:a14="http://schemas.microsoft.com/office/drawing/2010/main">
+        <mc:Choice Requires="a14">
           <p:sp>
             <p:nvSpPr>
               <p:cNvPr id="10" name="TextBox 9">
@@ -6386,6 +6944,7 @@
                         <a:solidFill>
                           <a:srgbClr val="FF0000"/>
                         </a:solidFill>
+                        <a:latin typeface="Cambria Math" panose="02040503050406030204" pitchFamily="18" charset="0"/>
                       </a:rPr>
                       <m:t>𝝀</m:t>
                     </m:r>
@@ -6468,7 +7027,7 @@
             </p:txBody>
           </p:sp>
         </mc:Choice>
-        <mc:Fallback>
+        <mc:Fallback xmlns="">
           <p:sp>
             <p:nvSpPr>
               <p:cNvPr id="10" name="TextBox 9">
@@ -6526,7 +7085,7 @@
 </p:sld>
 </file>
 
-<file path=ppt/slides/slide14.xml><?xml version="1.0" encoding="utf-8"?>
+<file path=ppt/slides/slide16.xml><?xml version="1.0" encoding="utf-8"?>
 <p:sld xmlns:a="http://schemas.openxmlformats.org/drawingml/2006/main" xmlns:r="http://schemas.openxmlformats.org/officeDocument/2006/relationships" xmlns:p="http://schemas.openxmlformats.org/presentationml/2006/main">
   <p:cSld>
     <p:spTree>
@@ -6571,8 +7130,8 @@
           </a:p>
         </p:txBody>
       </p:sp>
-      <mc:AlternateContent xmlns:mc="http://schemas.openxmlformats.org/markup-compatibility/2006">
-        <mc:Choice xmlns:a14="http://schemas.microsoft.com/office/drawing/2010/main" Requires="a14">
+      <mc:AlternateContent xmlns:mc="http://schemas.openxmlformats.org/markup-compatibility/2006" xmlns:a14="http://schemas.microsoft.com/office/drawing/2010/main">
+        <mc:Choice Requires="a14">
           <p:sp>
             <p:nvSpPr>
               <p:cNvPr id="3" name="Content Placeholder 2">
@@ -6692,7 +7251,7 @@
             </p:txBody>
           </p:sp>
         </mc:Choice>
-        <mc:Fallback>
+        <mc:Fallback xmlns="">
           <p:sp>
             <p:nvSpPr>
               <p:cNvPr id="3" name="Content Placeholder 2">
@@ -6745,7 +7304,7 @@
 </p:sld>
 </file>
 
-<file path=ppt/slides/slide15.xml><?xml version="1.0" encoding="utf-8"?>
+<file path=ppt/slides/slide17.xml><?xml version="1.0" encoding="utf-8"?>
 <p:sld xmlns:a="http://schemas.openxmlformats.org/drawingml/2006/main" xmlns:r="http://schemas.openxmlformats.org/officeDocument/2006/relationships" xmlns:p="http://schemas.openxmlformats.org/presentationml/2006/main">
   <p:cSld>
     <p:spTree>
@@ -6866,7 +7425,7 @@
 </p:sld>
 </file>
 
-<file path=ppt/slides/slide16.xml><?xml version="1.0" encoding="utf-8"?>
+<file path=ppt/slides/slide18.xml><?xml version="1.0" encoding="utf-8"?>
 <p:sld xmlns:a="http://schemas.openxmlformats.org/drawingml/2006/main" xmlns:r="http://schemas.openxmlformats.org/officeDocument/2006/relationships" xmlns:p="http://schemas.openxmlformats.org/presentationml/2006/main">
   <p:cSld>
     <p:spTree>
@@ -6911,8 +7470,8 @@
           </a:p>
         </p:txBody>
       </p:sp>
-      <mc:AlternateContent xmlns:mc="http://schemas.openxmlformats.org/markup-compatibility/2006">
-        <mc:Choice xmlns:a14="http://schemas.microsoft.com/office/drawing/2010/main" Requires="a14">
+      <mc:AlternateContent xmlns:mc="http://schemas.openxmlformats.org/markup-compatibility/2006" xmlns:a14="http://schemas.microsoft.com/office/drawing/2010/main">
+        <mc:Choice Requires="a14">
           <p:sp>
             <p:nvSpPr>
               <p:cNvPr id="4" name="Content Placeholder 2">
@@ -7029,7 +7588,7 @@
             </p:txBody>
           </p:sp>
         </mc:Choice>
-        <mc:Fallback>
+        <mc:Fallback xmlns="">
           <p:sp>
             <p:nvSpPr>
               <p:cNvPr id="4" name="Content Placeholder 2">
@@ -7086,7 +7645,7 @@
 </p:sld>
 </file>
 
-<file path=ppt/slides/slide17.xml><?xml version="1.0" encoding="utf-8"?>
+<file path=ppt/slides/slide19.xml><?xml version="1.0" encoding="utf-8"?>
 <p:sld xmlns:a="http://schemas.openxmlformats.org/drawingml/2006/main" xmlns:r="http://schemas.openxmlformats.org/officeDocument/2006/relationships" xmlns:p="http://schemas.openxmlformats.org/presentationml/2006/main">
   <p:cSld>
     <p:spTree>
@@ -7374,217 +7933,6 @@
 </p:sld>
 </file>
 
-<file path=ppt/slides/slide18.xml><?xml version="1.0" encoding="utf-8"?>
-<p:sld xmlns:a="http://schemas.openxmlformats.org/drawingml/2006/main" xmlns:r="http://schemas.openxmlformats.org/officeDocument/2006/relationships" xmlns:p="http://schemas.openxmlformats.org/presentationml/2006/main">
-  <p:cSld>
-    <p:spTree>
-      <p:nvGrpSpPr>
-        <p:cNvPr id="1" name=""/>
-        <p:cNvGrpSpPr/>
-        <p:nvPr/>
-      </p:nvGrpSpPr>
-      <p:grpSpPr>
-        <a:xfrm>
-          <a:off x="0" y="0"/>
-          <a:ext cx="0" cy="0"/>
-          <a:chOff x="0" y="0"/>
-          <a:chExt cx="0" cy="0"/>
-        </a:xfrm>
-      </p:grpSpPr>
-      <p:sp>
-        <p:nvSpPr>
-          <p:cNvPr id="2" name="Title 1">
-            <a:extLst>
-              <a:ext uri="{FF2B5EF4-FFF2-40B4-BE49-F238E27FC236}">
-                <a16:creationId xmlns:a16="http://schemas.microsoft.com/office/drawing/2014/main" id="{D2291508-BDB5-443E-9EB2-B0F717A0DFD8}"/>
-              </a:ext>
-            </a:extLst>
-          </p:cNvPr>
-          <p:cNvSpPr>
-            <a:spLocks noGrp="1"/>
-          </p:cNvSpPr>
-          <p:nvPr>
-            <p:ph type="title"/>
-          </p:nvPr>
-        </p:nvSpPr>
-        <p:spPr/>
-        <p:txBody>
-          <a:bodyPr/>
-          <a:lstStyle/>
-          <a:p>
-            <a:r>
-              <a:rPr lang="en-US" dirty="0"/>
-              <a:t>General conclusions</a:t>
-            </a:r>
-          </a:p>
-        </p:txBody>
-      </p:sp>
-      <p:sp>
-        <p:nvSpPr>
-          <p:cNvPr id="3" name="Content Placeholder 2">
-            <a:extLst>
-              <a:ext uri="{FF2B5EF4-FFF2-40B4-BE49-F238E27FC236}">
-                <a16:creationId xmlns:a16="http://schemas.microsoft.com/office/drawing/2014/main" id="{B4B0F1D5-A7A2-4916-B799-B436CC8665F5}"/>
-              </a:ext>
-            </a:extLst>
-          </p:cNvPr>
-          <p:cNvSpPr>
-            <a:spLocks noGrp="1"/>
-          </p:cNvSpPr>
-          <p:nvPr>
-            <p:ph idx="1"/>
-          </p:nvPr>
-        </p:nvSpPr>
-        <p:spPr/>
-        <p:txBody>
-          <a:bodyPr/>
-          <a:lstStyle/>
-          <a:p>
-            <a:r>
-              <a:rPr lang="en-US" dirty="0"/>
-              <a:t>Crop identity was the most influential factor in the individual, population, and community dynamics</a:t>
-            </a:r>
-          </a:p>
-          <a:p>
-            <a:r>
-              <a:rPr lang="en-US" dirty="0"/>
-              <a:t>No yield decline was found in any crop in coincidence with higher weed community abundance </a:t>
-            </a:r>
-          </a:p>
-          <a:p>
-            <a:r>
-              <a:rPr lang="en-US" dirty="0"/>
-              <a:t>More </a:t>
-            </a:r>
-            <a:r>
-              <a:rPr lang="en-US" dirty="0" err="1"/>
-              <a:t>more</a:t>
-            </a:r>
-            <a:r>
-              <a:rPr lang="en-US" dirty="0"/>
-              <a:t> diverse and species-rich weed communities were found in more diverse cropping systems</a:t>
-            </a:r>
-          </a:p>
-          <a:p>
-            <a:r>
-              <a:rPr lang="en-US" dirty="0"/>
-              <a:t>Lower evenness index of weed community was recorded in the more diverse cropping systems, but more of the rarer weed species were found and the relative abundance of competitive weed species was more even</a:t>
-            </a:r>
-          </a:p>
-        </p:txBody>
-      </p:sp>
-    </p:spTree>
-    <p:extLst>
-      <p:ext uri="{BB962C8B-B14F-4D97-AF65-F5344CB8AC3E}">
-        <p14:creationId xmlns:p14="http://schemas.microsoft.com/office/powerpoint/2010/main" val="763550521"/>
-      </p:ext>
-    </p:extLst>
-  </p:cSld>
-  <p:clrMapOvr>
-    <a:masterClrMapping/>
-  </p:clrMapOvr>
-</p:sld>
-</file>
-
-<file path=ppt/slides/slide19.xml><?xml version="1.0" encoding="utf-8"?>
-<p:sld xmlns:a="http://schemas.openxmlformats.org/drawingml/2006/main" xmlns:r="http://schemas.openxmlformats.org/officeDocument/2006/relationships" xmlns:p="http://schemas.openxmlformats.org/presentationml/2006/main">
-  <p:cSld>
-    <p:spTree>
-      <p:nvGrpSpPr>
-        <p:cNvPr id="1" name=""/>
-        <p:cNvGrpSpPr/>
-        <p:nvPr/>
-      </p:nvGrpSpPr>
-      <p:grpSpPr>
-        <a:xfrm>
-          <a:off x="0" y="0"/>
-          <a:ext cx="0" cy="0"/>
-          <a:chOff x="0" y="0"/>
-          <a:chExt cx="0" cy="0"/>
-        </a:xfrm>
-      </p:grpSpPr>
-      <p:sp>
-        <p:nvSpPr>
-          <p:cNvPr id="2" name="Title 1">
-            <a:extLst>
-              <a:ext uri="{FF2B5EF4-FFF2-40B4-BE49-F238E27FC236}">
-                <a16:creationId xmlns:a16="http://schemas.microsoft.com/office/drawing/2014/main" id="{D2291508-BDB5-443E-9EB2-B0F717A0DFD8}"/>
-              </a:ext>
-            </a:extLst>
-          </p:cNvPr>
-          <p:cNvSpPr>
-            <a:spLocks noGrp="1"/>
-          </p:cNvSpPr>
-          <p:nvPr>
-            <p:ph type="title"/>
-          </p:nvPr>
-        </p:nvSpPr>
-        <p:spPr/>
-        <p:txBody>
-          <a:bodyPr/>
-          <a:lstStyle/>
-          <a:p>
-            <a:r>
-              <a:rPr lang="en-US" dirty="0"/>
-              <a:t>General conclusions (continued)</a:t>
-            </a:r>
-          </a:p>
-        </p:txBody>
-      </p:sp>
-      <p:sp>
-        <p:nvSpPr>
-          <p:cNvPr id="3" name="Content Placeholder 2">
-            <a:extLst>
-              <a:ext uri="{FF2B5EF4-FFF2-40B4-BE49-F238E27FC236}">
-                <a16:creationId xmlns:a16="http://schemas.microsoft.com/office/drawing/2014/main" id="{B4B0F1D5-A7A2-4916-B799-B436CC8665F5}"/>
-              </a:ext>
-            </a:extLst>
-          </p:cNvPr>
-          <p:cNvSpPr>
-            <a:spLocks noGrp="1"/>
-          </p:cNvSpPr>
-          <p:nvPr>
-            <p:ph idx="1"/>
-          </p:nvPr>
-        </p:nvSpPr>
-        <p:spPr/>
-        <p:txBody>
-          <a:bodyPr/>
-          <a:lstStyle/>
-          <a:p>
-            <a:r>
-              <a:rPr lang="en-US" dirty="0" err="1"/>
-              <a:t>Waterhemp's</a:t>
-            </a:r>
-            <a:r>
-              <a:rPr lang="en-US" dirty="0"/>
-              <a:t> reproductive potential was reduced in the cool-season crops, and thus, its population growth rates were reduced.</a:t>
-            </a:r>
-          </a:p>
-          <a:p>
-            <a:r>
-              <a:rPr lang="en-US" dirty="0"/>
-              <a:t>Extending the 2-year rotation of warm-season crops with two years of cool-season crops could be effective in stabilizing waterhemp soil seedbank</a:t>
-            </a:r>
-          </a:p>
-          <a:p>
-            <a:endParaRPr lang="en-US" dirty="0"/>
-          </a:p>
-        </p:txBody>
-      </p:sp>
-    </p:spTree>
-    <p:extLst>
-      <p:ext uri="{BB962C8B-B14F-4D97-AF65-F5344CB8AC3E}">
-        <p14:creationId xmlns:p14="http://schemas.microsoft.com/office/powerpoint/2010/main" val="4030020248"/>
-      </p:ext>
-    </p:extLst>
-  </p:cSld>
-  <p:clrMapOvr>
-    <a:masterClrMapping/>
-  </p:clrMapOvr>
-</p:sld>
-</file>
-
 <file path=ppt/slides/slide2.xml><?xml version="1.0" encoding="utf-8"?>
 <p:sld xmlns:a="http://schemas.openxmlformats.org/drawingml/2006/main" xmlns:r="http://schemas.openxmlformats.org/officeDocument/2006/relationships" xmlns:p="http://schemas.openxmlformats.org/presentationml/2006/main">
   <p:cSld>
@@ -7704,6 +8052,217 @@
 </file>
 
 <file path=ppt/slides/slide20.xml><?xml version="1.0" encoding="utf-8"?>
+<p:sld xmlns:a="http://schemas.openxmlformats.org/drawingml/2006/main" xmlns:r="http://schemas.openxmlformats.org/officeDocument/2006/relationships" xmlns:p="http://schemas.openxmlformats.org/presentationml/2006/main">
+  <p:cSld>
+    <p:spTree>
+      <p:nvGrpSpPr>
+        <p:cNvPr id="1" name=""/>
+        <p:cNvGrpSpPr/>
+        <p:nvPr/>
+      </p:nvGrpSpPr>
+      <p:grpSpPr>
+        <a:xfrm>
+          <a:off x="0" y="0"/>
+          <a:ext cx="0" cy="0"/>
+          <a:chOff x="0" y="0"/>
+          <a:chExt cx="0" cy="0"/>
+        </a:xfrm>
+      </p:grpSpPr>
+      <p:sp>
+        <p:nvSpPr>
+          <p:cNvPr id="2" name="Title 1">
+            <a:extLst>
+              <a:ext uri="{FF2B5EF4-FFF2-40B4-BE49-F238E27FC236}">
+                <a16:creationId xmlns:a16="http://schemas.microsoft.com/office/drawing/2014/main" id="{D2291508-BDB5-443E-9EB2-B0F717A0DFD8}"/>
+              </a:ext>
+            </a:extLst>
+          </p:cNvPr>
+          <p:cNvSpPr>
+            <a:spLocks noGrp="1"/>
+          </p:cNvSpPr>
+          <p:nvPr>
+            <p:ph type="title"/>
+          </p:nvPr>
+        </p:nvSpPr>
+        <p:spPr/>
+        <p:txBody>
+          <a:bodyPr/>
+          <a:lstStyle/>
+          <a:p>
+            <a:r>
+              <a:rPr lang="en-US" dirty="0"/>
+              <a:t>General conclusions</a:t>
+            </a:r>
+          </a:p>
+        </p:txBody>
+      </p:sp>
+      <p:sp>
+        <p:nvSpPr>
+          <p:cNvPr id="3" name="Content Placeholder 2">
+            <a:extLst>
+              <a:ext uri="{FF2B5EF4-FFF2-40B4-BE49-F238E27FC236}">
+                <a16:creationId xmlns:a16="http://schemas.microsoft.com/office/drawing/2014/main" id="{B4B0F1D5-A7A2-4916-B799-B436CC8665F5}"/>
+              </a:ext>
+            </a:extLst>
+          </p:cNvPr>
+          <p:cNvSpPr>
+            <a:spLocks noGrp="1"/>
+          </p:cNvSpPr>
+          <p:nvPr>
+            <p:ph idx="1"/>
+          </p:nvPr>
+        </p:nvSpPr>
+        <p:spPr/>
+        <p:txBody>
+          <a:bodyPr/>
+          <a:lstStyle/>
+          <a:p>
+            <a:r>
+              <a:rPr lang="en-US" dirty="0"/>
+              <a:t>Crop identity was the most influential factor in the individual, population, and community dynamics</a:t>
+            </a:r>
+          </a:p>
+          <a:p>
+            <a:r>
+              <a:rPr lang="en-US" dirty="0"/>
+              <a:t>No yield decline was found in any crop in coincidence with higher weed community abundance </a:t>
+            </a:r>
+          </a:p>
+          <a:p>
+            <a:r>
+              <a:rPr lang="en-US" dirty="0"/>
+              <a:t>More </a:t>
+            </a:r>
+            <a:r>
+              <a:rPr lang="en-US" dirty="0" err="1"/>
+              <a:t>more</a:t>
+            </a:r>
+            <a:r>
+              <a:rPr lang="en-US" dirty="0"/>
+              <a:t> diverse and species-rich weed communities were found in more diverse cropping systems</a:t>
+            </a:r>
+          </a:p>
+          <a:p>
+            <a:r>
+              <a:rPr lang="en-US" dirty="0"/>
+              <a:t>Lower evenness index of weed community was recorded in the more diverse cropping systems, but more of the rarer weed species were found and the relative abundance of competitive weed species was more even</a:t>
+            </a:r>
+          </a:p>
+        </p:txBody>
+      </p:sp>
+    </p:spTree>
+    <p:extLst>
+      <p:ext uri="{BB962C8B-B14F-4D97-AF65-F5344CB8AC3E}">
+        <p14:creationId xmlns:p14="http://schemas.microsoft.com/office/powerpoint/2010/main" val="763550521"/>
+      </p:ext>
+    </p:extLst>
+  </p:cSld>
+  <p:clrMapOvr>
+    <a:masterClrMapping/>
+  </p:clrMapOvr>
+</p:sld>
+</file>
+
+<file path=ppt/slides/slide21.xml><?xml version="1.0" encoding="utf-8"?>
+<p:sld xmlns:a="http://schemas.openxmlformats.org/drawingml/2006/main" xmlns:r="http://schemas.openxmlformats.org/officeDocument/2006/relationships" xmlns:p="http://schemas.openxmlformats.org/presentationml/2006/main">
+  <p:cSld>
+    <p:spTree>
+      <p:nvGrpSpPr>
+        <p:cNvPr id="1" name=""/>
+        <p:cNvGrpSpPr/>
+        <p:nvPr/>
+      </p:nvGrpSpPr>
+      <p:grpSpPr>
+        <a:xfrm>
+          <a:off x="0" y="0"/>
+          <a:ext cx="0" cy="0"/>
+          <a:chOff x="0" y="0"/>
+          <a:chExt cx="0" cy="0"/>
+        </a:xfrm>
+      </p:grpSpPr>
+      <p:sp>
+        <p:nvSpPr>
+          <p:cNvPr id="2" name="Title 1">
+            <a:extLst>
+              <a:ext uri="{FF2B5EF4-FFF2-40B4-BE49-F238E27FC236}">
+                <a16:creationId xmlns:a16="http://schemas.microsoft.com/office/drawing/2014/main" id="{D2291508-BDB5-443E-9EB2-B0F717A0DFD8}"/>
+              </a:ext>
+            </a:extLst>
+          </p:cNvPr>
+          <p:cNvSpPr>
+            <a:spLocks noGrp="1"/>
+          </p:cNvSpPr>
+          <p:nvPr>
+            <p:ph type="title"/>
+          </p:nvPr>
+        </p:nvSpPr>
+        <p:spPr/>
+        <p:txBody>
+          <a:bodyPr/>
+          <a:lstStyle/>
+          <a:p>
+            <a:r>
+              <a:rPr lang="en-US" dirty="0"/>
+              <a:t>General conclusions (continued)</a:t>
+            </a:r>
+          </a:p>
+        </p:txBody>
+      </p:sp>
+      <p:sp>
+        <p:nvSpPr>
+          <p:cNvPr id="3" name="Content Placeholder 2">
+            <a:extLst>
+              <a:ext uri="{FF2B5EF4-FFF2-40B4-BE49-F238E27FC236}">
+                <a16:creationId xmlns:a16="http://schemas.microsoft.com/office/drawing/2014/main" id="{B4B0F1D5-A7A2-4916-B799-B436CC8665F5}"/>
+              </a:ext>
+            </a:extLst>
+          </p:cNvPr>
+          <p:cNvSpPr>
+            <a:spLocks noGrp="1"/>
+          </p:cNvSpPr>
+          <p:nvPr>
+            <p:ph idx="1"/>
+          </p:nvPr>
+        </p:nvSpPr>
+        <p:spPr/>
+        <p:txBody>
+          <a:bodyPr/>
+          <a:lstStyle/>
+          <a:p>
+            <a:r>
+              <a:rPr lang="en-US" dirty="0" err="1"/>
+              <a:t>Waterhemp's</a:t>
+            </a:r>
+            <a:r>
+              <a:rPr lang="en-US" dirty="0"/>
+              <a:t> reproductive potential was reduced in the cool-season crops, and thus, its population growth rates were reduced.</a:t>
+            </a:r>
+          </a:p>
+          <a:p>
+            <a:r>
+              <a:rPr lang="en-US" dirty="0"/>
+              <a:t>Extending the 2-year rotation of warm-season crops with two years of cool-season crops could be effective in stabilizing waterhemp soil seedbank</a:t>
+            </a:r>
+          </a:p>
+          <a:p>
+            <a:endParaRPr lang="en-US" dirty="0"/>
+          </a:p>
+        </p:txBody>
+      </p:sp>
+    </p:spTree>
+    <p:extLst>
+      <p:ext uri="{BB962C8B-B14F-4D97-AF65-F5344CB8AC3E}">
+        <p14:creationId xmlns:p14="http://schemas.microsoft.com/office/powerpoint/2010/main" val="4030020248"/>
+      </p:ext>
+    </p:extLst>
+  </p:cSld>
+  <p:clrMapOvr>
+    <a:masterClrMapping/>
+  </p:clrMapOvr>
+</p:sld>
+</file>
+
+<file path=ppt/slides/slide22.xml><?xml version="1.0" encoding="utf-8"?>
 <p:sld xmlns:a="http://schemas.openxmlformats.org/drawingml/2006/main" xmlns:r="http://schemas.openxmlformats.org/officeDocument/2006/relationships" xmlns:p="http://schemas.openxmlformats.org/presentationml/2006/main">
   <p:cSld>
     <p:spTree>
@@ -9825,139 +10384,99 @@
       </p:grpSpPr>
       <p:sp>
         <p:nvSpPr>
-          <p:cNvPr id="9" name="Title 1">
+          <p:cNvPr id="2" name="TextBox 1">
             <a:extLst>
               <a:ext uri="{FF2B5EF4-FFF2-40B4-BE49-F238E27FC236}">
-                <a16:creationId xmlns:a16="http://schemas.microsoft.com/office/drawing/2014/main" id="{2ACA8F7E-E1F8-2E46-B4CC-F3F833C47313}"/>
+                <a16:creationId xmlns:a16="http://schemas.microsoft.com/office/drawing/2014/main" id="{D232877D-EF3D-49A2-AA56-17623D81C1C2}"/>
               </a:ext>
             </a:extLst>
           </p:cNvPr>
-          <p:cNvSpPr>
-            <a:spLocks noGrp="1"/>
-          </p:cNvSpPr>
-          <p:nvPr>
-            <p:ph type="title"/>
-          </p:nvPr>
+          <p:cNvSpPr txBox="1"/>
+          <p:nvPr/>
         </p:nvSpPr>
         <p:spPr>
           <a:xfrm>
-            <a:off x="72593" y="364265"/>
-            <a:ext cx="6139714" cy="678163"/>
-          </a:xfrm>
-        </p:spPr>
-        <p:txBody>
-          <a:bodyPr anchor="b">
-            <a:normAutofit fontScale="90000"/>
-          </a:bodyPr>
-          <a:lstStyle/>
-          <a:p>
-            <a:r>
-              <a:rPr lang="en-US" sz="4000" dirty="0">
-                <a:latin typeface="Big Caslon Medium" panose="02000603090000020003" pitchFamily="2" charset="-79"/>
-                <a:cs typeface="Big Caslon Medium" panose="02000603090000020003" pitchFamily="2" charset="-79"/>
-              </a:rPr>
-              <a:t>Weed aboveground community</a:t>
-            </a:r>
-          </a:p>
-        </p:txBody>
-      </p:sp>
-      <p:sp>
-        <p:nvSpPr>
-          <p:cNvPr id="10" name="Content Placeholder 9">
-            <a:extLst>
-              <a:ext uri="{FF2B5EF4-FFF2-40B4-BE49-F238E27FC236}">
-                <a16:creationId xmlns:a16="http://schemas.microsoft.com/office/drawing/2014/main" id="{DFD8010B-7FC5-522F-6456-4C52F0B13B4E}"/>
-              </a:ext>
-            </a:extLst>
-          </p:cNvPr>
-          <p:cNvSpPr>
-            <a:spLocks noGrp="1"/>
-          </p:cNvSpPr>
-          <p:nvPr>
-            <p:ph idx="1"/>
-          </p:nvPr>
-        </p:nvSpPr>
-        <p:spPr>
-          <a:xfrm>
-            <a:off x="6284900" y="0"/>
-            <a:ext cx="5737287" cy="2695665"/>
-          </a:xfrm>
-        </p:spPr>
-        <p:txBody>
-          <a:bodyPr anchor="ctr">
-            <a:normAutofit/>
-          </a:bodyPr>
-          <a:lstStyle/>
-          <a:p>
-            <a:pPr marL="0" indent="0">
-              <a:buNone/>
-            </a:pPr>
-            <a:r>
-              <a:rPr lang="en-US" sz="2000" dirty="0"/>
-              <a:t>Crop yields were comparable or higher than Iowa and Boone County averages.</a:t>
-            </a:r>
-          </a:p>
-          <a:p>
-            <a:pPr marL="0" indent="0">
-              <a:buNone/>
-            </a:pPr>
-            <a:r>
-              <a:rPr lang="en-US" sz="2000" dirty="0"/>
-              <a:t>Tolerating higher abundance of weeds can save a substantial amount of herbicide </a:t>
-            </a:r>
-            <a:r>
-              <a:rPr lang="en-US" sz="2000" dirty="0" err="1"/>
-              <a:t>a.i.</a:t>
-            </a:r>
-            <a:endParaRPr lang="en-US" sz="2000" dirty="0"/>
-          </a:p>
-          <a:p>
-            <a:pPr marL="0" indent="0">
-              <a:buNone/>
-            </a:pPr>
-            <a:r>
-              <a:rPr lang="en-US" sz="2000" dirty="0"/>
-              <a:t>Aggressive weed species’ abundance was lowered in the more diverse cropping systems.</a:t>
-            </a:r>
-          </a:p>
-          <a:p>
-            <a:pPr marL="0" indent="0">
-              <a:buNone/>
-            </a:pPr>
-            <a:endParaRPr lang="en-US" sz="2000" dirty="0"/>
-          </a:p>
-        </p:txBody>
-      </p:sp>
-      <p:pic>
-        <p:nvPicPr>
-          <p:cNvPr id="6" name="Picture 5" descr="A screenshot of a graph&#10;&#10;Description automatically generated with low confidence">
-            <a:extLst>
-              <a:ext uri="{FF2B5EF4-FFF2-40B4-BE49-F238E27FC236}">
-                <a16:creationId xmlns:a16="http://schemas.microsoft.com/office/drawing/2014/main" id="{BCA74709-9D0E-F648-8250-408B4A4AA87A}"/>
-              </a:ext>
-            </a:extLst>
-          </p:cNvPr>
-          <p:cNvPicPr>
-            <a:picLocks noChangeAspect="1"/>
-          </p:cNvPicPr>
-          <p:nvPr/>
-        </p:nvPicPr>
-        <p:blipFill>
-          <a:blip r:embed="rId3"/>
-          <a:stretch>
-            <a:fillRect/>
-          </a:stretch>
-        </p:blipFill>
-        <p:spPr>
-          <a:xfrm>
-            <a:off x="169812" y="1176899"/>
-            <a:ext cx="5737287" cy="5595376"/>
+            <a:off x="6319882" y="6220328"/>
+            <a:ext cx="5979694" cy="646331"/>
           </a:xfrm>
           <a:prstGeom prst="rect">
             <a:avLst/>
           </a:prstGeom>
+          <a:noFill/>
         </p:spPr>
-      </p:pic>
+        <p:txBody>
+          <a:bodyPr wrap="square" rtlCol="0">
+            <a:spAutoFit/>
+          </a:bodyPr>
+          <a:lstStyle/>
+          <a:p>
+            <a:r>
+              <a:rPr lang="en-US" dirty="0"/>
+              <a:t>@</a:t>
+            </a:r>
+            <a:r>
+              <a:rPr lang="en-US" dirty="0" err="1"/>
+              <a:t>FrontAgro</a:t>
+            </a:r>
+            <a:r>
+              <a:rPr lang="en-US" dirty="0"/>
+              <a:t> </a:t>
+            </a:r>
+          </a:p>
+          <a:p>
+            <a:r>
+              <a:rPr lang="en-US" dirty="0">
+                <a:hlinkClick r:id="rId3"/>
+              </a:rPr>
+              <a:t>https://doi.org/10.3389/fagro.2022.848548</a:t>
+            </a:r>
+            <a:endParaRPr lang="en-US" dirty="0"/>
+          </a:p>
+        </p:txBody>
+      </p:sp>
+      <p:sp>
+        <p:nvSpPr>
+          <p:cNvPr id="5" name="Title 4">
+            <a:extLst>
+              <a:ext uri="{FF2B5EF4-FFF2-40B4-BE49-F238E27FC236}">
+                <a16:creationId xmlns:a16="http://schemas.microsoft.com/office/drawing/2014/main" id="{E24310BB-41E4-FEE4-A379-17B673035B5C}"/>
+              </a:ext>
+            </a:extLst>
+          </p:cNvPr>
+          <p:cNvSpPr>
+            <a:spLocks noGrp="1"/>
+          </p:cNvSpPr>
+          <p:nvPr>
+            <p:ph type="title"/>
+          </p:nvPr>
+        </p:nvSpPr>
+        <p:spPr>
+          <a:xfrm>
+            <a:off x="213527" y="161614"/>
+            <a:ext cx="11140273" cy="1325563"/>
+          </a:xfrm>
+        </p:spPr>
+        <p:txBody>
+          <a:bodyPr>
+            <a:normAutofit fontScale="90000"/>
+          </a:bodyPr>
+          <a:lstStyle/>
+          <a:p>
+            <a:r>
+              <a:rPr lang="en-US" dirty="0"/>
+              <a:t>Tolerating a higher abundance of weeds can save a substantial amount of herbicide </a:t>
+            </a:r>
+            <a:r>
+              <a:rPr lang="en-US" dirty="0" err="1"/>
+              <a:t>a.i.</a:t>
+            </a:r>
+            <a:br>
+              <a:rPr lang="en-US" dirty="0"/>
+            </a:br>
+            <a:endParaRPr lang="en-US" dirty="0"/>
+          </a:p>
+        </p:txBody>
+      </p:sp>
       <p:pic>
         <p:nvPicPr>
           <p:cNvPr id="4" name="Picture 2">
@@ -9986,8 +10505,8 @@
         </p:blipFill>
         <p:spPr bwMode="auto">
           <a:xfrm>
-            <a:off x="6284900" y="2119107"/>
-            <a:ext cx="5882473" cy="4279501"/>
+            <a:off x="2120881" y="1085440"/>
+            <a:ext cx="7502475" cy="5458053"/>
           </a:xfrm>
           <a:prstGeom prst="rect">
             <a:avLst/>
@@ -10004,58 +10523,6 @@
           </a:extLst>
         </p:spPr>
       </p:pic>
-      <p:sp>
-        <p:nvSpPr>
-          <p:cNvPr id="2" name="TextBox 1">
-            <a:extLst>
-              <a:ext uri="{FF2B5EF4-FFF2-40B4-BE49-F238E27FC236}">
-                <a16:creationId xmlns:a16="http://schemas.microsoft.com/office/drawing/2014/main" id="{D232877D-EF3D-49A2-AA56-17623D81C1C2}"/>
-              </a:ext>
-            </a:extLst>
-          </p:cNvPr>
-          <p:cNvSpPr txBox="1"/>
-          <p:nvPr/>
-        </p:nvSpPr>
-        <p:spPr>
-          <a:xfrm>
-            <a:off x="6319882" y="6220328"/>
-            <a:ext cx="5979694" cy="646331"/>
-          </a:xfrm>
-          <a:prstGeom prst="rect">
-            <a:avLst/>
-          </a:prstGeom>
-          <a:noFill/>
-        </p:spPr>
-        <p:txBody>
-          <a:bodyPr wrap="square" rtlCol="0">
-            <a:spAutoFit/>
-          </a:bodyPr>
-          <a:lstStyle/>
-          <a:p>
-            <a:r>
-              <a:rPr lang="en-US" dirty="0"/>
-              <a:t>@</a:t>
-            </a:r>
-            <a:r>
-              <a:rPr lang="en-US" dirty="0" err="1"/>
-              <a:t>FrontAgro</a:t>
-            </a:r>
-            <a:r>
-              <a:rPr lang="en-US" dirty="0"/>
-              <a:t> </a:t>
-            </a:r>
-          </a:p>
-          <a:p>
-            <a:r>
-              <a:rPr lang="en-US" dirty="0">
-                <a:hlinkClick r:id="rId5"/>
-              </a:rPr>
-              <a:t>https://doi.org/10.3389/fagro.2022.848548</a:t>
-            </a:r>
-            <a:endParaRPr lang="en-US" dirty="0"/>
-          </a:p>
-        </p:txBody>
-      </p:sp>
     </p:spTree>
     <p:extLst>
       <p:ext uri="{BB962C8B-B14F-4D97-AF65-F5344CB8AC3E}">
@@ -10070,111 +10537,6 @@
 </file>
 
 <file path=ppt/slides/slide7.xml><?xml version="1.0" encoding="utf-8"?>
-<p:sld xmlns:a="http://schemas.openxmlformats.org/drawingml/2006/main" xmlns:r="http://schemas.openxmlformats.org/officeDocument/2006/relationships" xmlns:p="http://schemas.openxmlformats.org/presentationml/2006/main">
-  <p:cSld>
-    <p:spTree>
-      <p:nvGrpSpPr>
-        <p:cNvPr id="1" name=""/>
-        <p:cNvGrpSpPr/>
-        <p:nvPr/>
-      </p:nvGrpSpPr>
-      <p:grpSpPr>
-        <a:xfrm>
-          <a:off x="0" y="0"/>
-          <a:ext cx="0" cy="0"/>
-          <a:chOff x="0" y="0"/>
-          <a:chExt cx="0" cy="0"/>
-        </a:xfrm>
-      </p:grpSpPr>
-      <p:sp>
-        <p:nvSpPr>
-          <p:cNvPr id="2" name="Title 1">
-            <a:extLst>
-              <a:ext uri="{FF2B5EF4-FFF2-40B4-BE49-F238E27FC236}">
-                <a16:creationId xmlns:a16="http://schemas.microsoft.com/office/drawing/2014/main" id="{87BCF47E-C981-44FC-B83C-511B808509B4}"/>
-              </a:ext>
-            </a:extLst>
-          </p:cNvPr>
-          <p:cNvSpPr>
-            <a:spLocks noGrp="1"/>
-          </p:cNvSpPr>
-          <p:nvPr>
-            <p:ph type="title"/>
-          </p:nvPr>
-        </p:nvSpPr>
-        <p:spPr/>
-        <p:txBody>
-          <a:bodyPr>
-            <a:normAutofit fontScale="90000"/>
-          </a:bodyPr>
-          <a:lstStyle/>
-          <a:p>
-            <a:r>
-              <a:rPr lang="en-US" dirty="0"/>
-              <a:t>Impact of cropping system diversification on vegetative and reproductive characteristics of waterhemp</a:t>
-            </a:r>
-          </a:p>
-        </p:txBody>
-      </p:sp>
-      <p:sp>
-        <p:nvSpPr>
-          <p:cNvPr id="3" name="Content Placeholder 2">
-            <a:extLst>
-              <a:ext uri="{FF2B5EF4-FFF2-40B4-BE49-F238E27FC236}">
-                <a16:creationId xmlns:a16="http://schemas.microsoft.com/office/drawing/2014/main" id="{D30BE9CF-874E-4815-9245-BD074095BF92}"/>
-              </a:ext>
-            </a:extLst>
-          </p:cNvPr>
-          <p:cNvSpPr>
-            <a:spLocks noGrp="1"/>
-          </p:cNvSpPr>
-          <p:nvPr>
-            <p:ph idx="1"/>
-          </p:nvPr>
-        </p:nvSpPr>
-        <p:spPr/>
-        <p:txBody>
-          <a:bodyPr/>
-          <a:lstStyle/>
-          <a:p>
-            <a:r>
-              <a:rPr lang="en-US" dirty="0"/>
-              <a:t>The population aboveground mass, density, and sex ratio, </a:t>
-            </a:r>
-          </a:p>
-          <a:p>
-            <a:r>
-              <a:rPr lang="en-US" dirty="0"/>
-              <a:t>The relationship between </a:t>
-            </a:r>
-            <a:r>
-              <a:rPr lang="en-US" dirty="0" err="1"/>
-              <a:t>waterhemp's</a:t>
-            </a:r>
-            <a:r>
-              <a:rPr lang="en-US" dirty="0"/>
-              <a:t> female size and fecundity</a:t>
-            </a:r>
-          </a:p>
-          <a:p>
-            <a:endParaRPr lang="en-US" dirty="0"/>
-          </a:p>
-        </p:txBody>
-      </p:sp>
-    </p:spTree>
-    <p:extLst>
-      <p:ext uri="{BB962C8B-B14F-4D97-AF65-F5344CB8AC3E}">
-        <p14:creationId xmlns:p14="http://schemas.microsoft.com/office/powerpoint/2010/main" val="612140040"/>
-      </p:ext>
-    </p:extLst>
-  </p:cSld>
-  <p:clrMapOvr>
-    <a:masterClrMapping/>
-  </p:clrMapOvr>
-</p:sld>
-</file>
-
-<file path=ppt/slides/slide8.xml><?xml version="1.0" encoding="utf-8"?>
 <p:sld xmlns:a="http://schemas.openxmlformats.org/drawingml/2006/main" xmlns:r="http://schemas.openxmlformats.org/officeDocument/2006/relationships" xmlns:p="http://schemas.openxmlformats.org/presentationml/2006/main">
   <p:cSld>
     <p:bg>
@@ -10201,6 +10563,328 @@
       </p:grpSpPr>
       <p:sp>
         <p:nvSpPr>
+          <p:cNvPr id="10" name="Content Placeholder 9">
+            <a:extLst>
+              <a:ext uri="{FF2B5EF4-FFF2-40B4-BE49-F238E27FC236}">
+                <a16:creationId xmlns:a16="http://schemas.microsoft.com/office/drawing/2014/main" id="{DFD8010B-7FC5-522F-6456-4C52F0B13B4E}"/>
+              </a:ext>
+            </a:extLst>
+          </p:cNvPr>
+          <p:cNvSpPr>
+            <a:spLocks noGrp="1"/>
+          </p:cNvSpPr>
+          <p:nvPr>
+            <p:ph idx="1"/>
+          </p:nvPr>
+        </p:nvSpPr>
+        <p:spPr>
+          <a:xfrm>
+            <a:off x="7299702" y="216977"/>
+            <a:ext cx="4552004" cy="2695665"/>
+          </a:xfrm>
+        </p:spPr>
+        <p:txBody>
+          <a:bodyPr anchor="ctr">
+            <a:normAutofit/>
+          </a:bodyPr>
+          <a:lstStyle/>
+          <a:p>
+            <a:pPr marL="0" indent="0">
+              <a:buNone/>
+            </a:pPr>
+            <a:r>
+              <a:rPr lang="en-US" sz="3600" dirty="0"/>
+              <a:t>Aggressive weed species’ abundance was lowered in the more diverse cropping systems.</a:t>
+            </a:r>
+          </a:p>
+          <a:p>
+            <a:pPr marL="0" indent="0">
+              <a:buNone/>
+            </a:pPr>
+            <a:endParaRPr lang="en-US" sz="2000" dirty="0"/>
+          </a:p>
+        </p:txBody>
+      </p:sp>
+      <p:pic>
+        <p:nvPicPr>
+          <p:cNvPr id="6" name="Picture 5" descr="A screenshot of a graph&#10;&#10;Description automatically generated with low confidence">
+            <a:extLst>
+              <a:ext uri="{FF2B5EF4-FFF2-40B4-BE49-F238E27FC236}">
+                <a16:creationId xmlns:a16="http://schemas.microsoft.com/office/drawing/2014/main" id="{BCA74709-9D0E-F648-8250-408B4A4AA87A}"/>
+              </a:ext>
+            </a:extLst>
+          </p:cNvPr>
+          <p:cNvPicPr>
+            <a:picLocks noChangeAspect="1"/>
+          </p:cNvPicPr>
+          <p:nvPr/>
+        </p:nvPicPr>
+        <p:blipFill>
+          <a:blip r:embed="rId3"/>
+          <a:stretch>
+            <a:fillRect/>
+          </a:stretch>
+        </p:blipFill>
+        <p:spPr>
+          <a:xfrm>
+            <a:off x="169812" y="47765"/>
+            <a:ext cx="6990405" cy="6817498"/>
+          </a:xfrm>
+          <a:prstGeom prst="rect">
+            <a:avLst/>
+          </a:prstGeom>
+        </p:spPr>
+      </p:pic>
+      <p:sp>
+        <p:nvSpPr>
+          <p:cNvPr id="2" name="TextBox 1">
+            <a:extLst>
+              <a:ext uri="{FF2B5EF4-FFF2-40B4-BE49-F238E27FC236}">
+                <a16:creationId xmlns:a16="http://schemas.microsoft.com/office/drawing/2014/main" id="{D232877D-EF3D-49A2-AA56-17623D81C1C2}"/>
+              </a:ext>
+            </a:extLst>
+          </p:cNvPr>
+          <p:cNvSpPr txBox="1"/>
+          <p:nvPr/>
+        </p:nvSpPr>
+        <p:spPr>
+          <a:xfrm>
+            <a:off x="7668234" y="6211669"/>
+            <a:ext cx="5979694" cy="646331"/>
+          </a:xfrm>
+          <a:prstGeom prst="rect">
+            <a:avLst/>
+          </a:prstGeom>
+          <a:noFill/>
+        </p:spPr>
+        <p:txBody>
+          <a:bodyPr wrap="square" rtlCol="0">
+            <a:spAutoFit/>
+          </a:bodyPr>
+          <a:lstStyle/>
+          <a:p>
+            <a:r>
+              <a:rPr lang="en-US" dirty="0"/>
+              <a:t>@</a:t>
+            </a:r>
+            <a:r>
+              <a:rPr lang="en-US" dirty="0" err="1"/>
+              <a:t>FrontAgro</a:t>
+            </a:r>
+            <a:r>
+              <a:rPr lang="en-US" dirty="0"/>
+              <a:t> </a:t>
+            </a:r>
+          </a:p>
+          <a:p>
+            <a:r>
+              <a:rPr lang="en-US" dirty="0">
+                <a:hlinkClick r:id="rId4"/>
+              </a:rPr>
+              <a:t>https://doi.org/10.3389/fagro.2022.848548</a:t>
+            </a:r>
+            <a:endParaRPr lang="en-US" dirty="0"/>
+          </a:p>
+        </p:txBody>
+      </p:sp>
+    </p:spTree>
+    <p:extLst>
+      <p:ext uri="{BB962C8B-B14F-4D97-AF65-F5344CB8AC3E}">
+        <p14:creationId xmlns:p14="http://schemas.microsoft.com/office/powerpoint/2010/main" val="3805897409"/>
+      </p:ext>
+    </p:extLst>
+  </p:cSld>
+  <p:clrMapOvr>
+    <a:masterClrMapping/>
+  </p:clrMapOvr>
+</p:sld>
+</file>
+
+<file path=ppt/slides/slide8.xml><?xml version="1.0" encoding="utf-8"?>
+<p:sld xmlns:a="http://schemas.openxmlformats.org/drawingml/2006/main" xmlns:r="http://schemas.openxmlformats.org/officeDocument/2006/relationships" xmlns:p="http://schemas.openxmlformats.org/presentationml/2006/main">
+  <p:cSld>
+    <p:spTree>
+      <p:nvGrpSpPr>
+        <p:cNvPr id="1" name=""/>
+        <p:cNvGrpSpPr/>
+        <p:nvPr/>
+      </p:nvGrpSpPr>
+      <p:grpSpPr>
+        <a:xfrm>
+          <a:off x="0" y="0"/>
+          <a:ext cx="0" cy="0"/>
+          <a:chOff x="0" y="0"/>
+          <a:chExt cx="0" cy="0"/>
+        </a:xfrm>
+      </p:grpSpPr>
+      <p:sp>
+        <p:nvSpPr>
+          <p:cNvPr id="2" name="Title 1">
+            <a:extLst>
+              <a:ext uri="{FF2B5EF4-FFF2-40B4-BE49-F238E27FC236}">
+                <a16:creationId xmlns:a16="http://schemas.microsoft.com/office/drawing/2014/main" id="{87BCF47E-C981-44FC-B83C-511B808509B4}"/>
+              </a:ext>
+            </a:extLst>
+          </p:cNvPr>
+          <p:cNvSpPr>
+            <a:spLocks noGrp="1"/>
+          </p:cNvSpPr>
+          <p:nvPr>
+            <p:ph type="title"/>
+          </p:nvPr>
+        </p:nvSpPr>
+        <p:spPr/>
+        <p:txBody>
+          <a:bodyPr>
+            <a:normAutofit fontScale="90000"/>
+          </a:bodyPr>
+          <a:lstStyle/>
+          <a:p>
+            <a:r>
+              <a:rPr lang="en-US" dirty="0"/>
+              <a:t>Impact of cropping system diversification on vegetative and reproductive characteristics of waterhemp</a:t>
+            </a:r>
+          </a:p>
+        </p:txBody>
+      </p:sp>
+      <p:sp>
+        <p:nvSpPr>
+          <p:cNvPr id="3" name="Content Placeholder 2">
+            <a:extLst>
+              <a:ext uri="{FF2B5EF4-FFF2-40B4-BE49-F238E27FC236}">
+                <a16:creationId xmlns:a16="http://schemas.microsoft.com/office/drawing/2014/main" id="{D30BE9CF-874E-4815-9245-BD074095BF92}"/>
+              </a:ext>
+            </a:extLst>
+          </p:cNvPr>
+          <p:cNvSpPr>
+            <a:spLocks noGrp="1"/>
+          </p:cNvSpPr>
+          <p:nvPr>
+            <p:ph idx="1"/>
+          </p:nvPr>
+        </p:nvSpPr>
+        <p:spPr/>
+        <p:txBody>
+          <a:bodyPr/>
+          <a:lstStyle/>
+          <a:p>
+            <a:r>
+              <a:rPr lang="en-US" dirty="0"/>
+              <a:t>The population aboveground mass, density, and sex ratio, </a:t>
+            </a:r>
+          </a:p>
+          <a:p>
+            <a:r>
+              <a:rPr lang="en-US" dirty="0"/>
+              <a:t>The relationship between </a:t>
+            </a:r>
+            <a:r>
+              <a:rPr lang="en-US" dirty="0" err="1"/>
+              <a:t>waterhemp's</a:t>
+            </a:r>
+            <a:r>
+              <a:rPr lang="en-US" dirty="0"/>
+              <a:t> female size and fecundity</a:t>
+            </a:r>
+          </a:p>
+          <a:p>
+            <a:endParaRPr lang="en-US" dirty="0"/>
+          </a:p>
+        </p:txBody>
+      </p:sp>
+      <p:sp>
+        <p:nvSpPr>
+          <p:cNvPr id="4" name="TextBox 3">
+            <a:extLst>
+              <a:ext uri="{FF2B5EF4-FFF2-40B4-BE49-F238E27FC236}">
+                <a16:creationId xmlns:a16="http://schemas.microsoft.com/office/drawing/2014/main" id="{03D48C18-1504-45DC-F48D-3C80CF21242B}"/>
+              </a:ext>
+            </a:extLst>
+          </p:cNvPr>
+          <p:cNvSpPr txBox="1"/>
+          <p:nvPr/>
+        </p:nvSpPr>
+        <p:spPr>
+          <a:xfrm>
+            <a:off x="983914" y="6176963"/>
+            <a:ext cx="10927976" cy="369332"/>
+          </a:xfrm>
+          <a:prstGeom prst="rect">
+            <a:avLst/>
+          </a:prstGeom>
+          <a:noFill/>
+        </p:spPr>
+        <p:txBody>
+          <a:bodyPr wrap="square" rtlCol="0">
+            <a:spAutoFit/>
+          </a:bodyPr>
+          <a:lstStyle/>
+          <a:p>
+            <a:r>
+              <a:rPr lang="en-US" dirty="0"/>
+              <a:t>@</a:t>
+            </a:r>
+            <a:r>
+              <a:rPr lang="en-US" dirty="0" err="1"/>
+              <a:t>FrontAgro</a:t>
+            </a:r>
+            <a:r>
+              <a:rPr lang="en-US" dirty="0"/>
+              <a:t>  </a:t>
+            </a:r>
+            <a:r>
+              <a:rPr lang="en-US" dirty="0">
+                <a:hlinkClick r:id="rId3"/>
+              </a:rPr>
+              <a:t>https://doi.org/10.3389/fagro.2022.811359</a:t>
+            </a:r>
+            <a:r>
+              <a:rPr lang="en-US" dirty="0"/>
+              <a:t> </a:t>
+            </a:r>
+          </a:p>
+        </p:txBody>
+      </p:sp>
+    </p:spTree>
+    <p:extLst>
+      <p:ext uri="{BB962C8B-B14F-4D97-AF65-F5344CB8AC3E}">
+        <p14:creationId xmlns:p14="http://schemas.microsoft.com/office/powerpoint/2010/main" val="612140040"/>
+      </p:ext>
+    </p:extLst>
+  </p:cSld>
+  <p:clrMapOvr>
+    <a:masterClrMapping/>
+  </p:clrMapOvr>
+</p:sld>
+</file>
+
+<file path=ppt/slides/slide9.xml><?xml version="1.0" encoding="utf-8"?>
+<p:sld xmlns:a="http://schemas.openxmlformats.org/drawingml/2006/main" xmlns:r="http://schemas.openxmlformats.org/officeDocument/2006/relationships" xmlns:p="http://schemas.openxmlformats.org/presentationml/2006/main">
+  <p:cSld>
+    <p:bg>
+      <p:bgPr>
+        <a:solidFill>
+          <a:schemeClr val="bg1"/>
+        </a:solidFill>
+        <a:effectLst/>
+      </p:bgPr>
+    </p:bg>
+    <p:spTree>
+      <p:nvGrpSpPr>
+        <p:cNvPr id="1" name=""/>
+        <p:cNvGrpSpPr/>
+        <p:nvPr/>
+      </p:nvGrpSpPr>
+      <p:grpSpPr>
+        <a:xfrm>
+          <a:off x="0" y="0"/>
+          <a:ext cx="0" cy="0"/>
+          <a:chOff x="0" y="0"/>
+          <a:chExt cx="0" cy="0"/>
+        </a:xfrm>
+      </p:grpSpPr>
+      <p:sp>
+        <p:nvSpPr>
           <p:cNvPr id="5" name="Title 4">
             <a:extLst>
               <a:ext uri="{FF2B5EF4-FFF2-40B4-BE49-F238E27FC236}">
@@ -10251,51 +10935,6 @@
           </a:p>
         </p:txBody>
       </p:sp>
-      <p:pic>
-        <p:nvPicPr>
-          <p:cNvPr id="4098" name="Picture 2">
-            <a:extLst>
-              <a:ext uri="{FF2B5EF4-FFF2-40B4-BE49-F238E27FC236}">
-                <a16:creationId xmlns:a16="http://schemas.microsoft.com/office/drawing/2014/main" id="{78CB3A5C-A799-8A46-B030-AFA6FCCE41AB}"/>
-              </a:ext>
-            </a:extLst>
-          </p:cNvPr>
-          <p:cNvPicPr>
-            <a:picLocks noChangeAspect="1" noChangeArrowheads="1"/>
-          </p:cNvPicPr>
-          <p:nvPr/>
-        </p:nvPicPr>
-        <p:blipFill>
-          <a:blip r:embed="rId3">
-            <a:extLst>
-              <a:ext uri="{28A0092B-C50C-407E-A947-70E740481C1C}">
-                <a14:useLocalDpi xmlns:a14="http://schemas.microsoft.com/office/drawing/2010/main" val="0"/>
-              </a:ext>
-            </a:extLst>
-          </a:blip>
-          <a:stretch>
-            <a:fillRect/>
-          </a:stretch>
-        </p:blipFill>
-        <p:spPr bwMode="auto">
-          <a:xfrm>
-            <a:off x="6632715" y="-2197"/>
-            <a:ext cx="5167185" cy="6458983"/>
-          </a:xfrm>
-          <a:prstGeom prst="rect">
-            <a:avLst/>
-          </a:prstGeom>
-          <a:extLst>
-            <a:ext uri="{909E8E84-426E-40DD-AFC4-6F175D3DCCD1}">
-              <a14:hiddenFill xmlns:a14="http://schemas.microsoft.com/office/drawing/2010/main">
-                <a:solidFill>
-                  <a:srgbClr val="FFFFFF"/>
-                </a:solidFill>
-              </a14:hiddenFill>
-            </a:ext>
-          </a:extLst>
-        </p:spPr>
-      </p:pic>
       <p:pic>
         <p:nvPicPr>
           <p:cNvPr id="10" name="Picture 2">
@@ -10311,7 +10950,7 @@
           <p:nvPr/>
         </p:nvPicPr>
         <p:blipFill>
-          <a:blip r:embed="rId4">
+          <a:blip r:embed="rId3">
             <a:extLst>
               <a:ext uri="{28A0092B-C50C-407E-A947-70E740481C1C}">
                 <a14:useLocalDpi xmlns:a14="http://schemas.microsoft.com/office/drawing/2010/main" val="0"/>
@@ -10384,7 +11023,7 @@
             </a:r>
             <a:r>
               <a:rPr lang="en-US" dirty="0">
-                <a:hlinkClick r:id="rId5"/>
+                <a:hlinkClick r:id="rId4"/>
               </a:rPr>
               <a:t>https://doi.org/10.3389/fagro.2022.811359</a:t>
             </a:r>
@@ -10398,191 +11037,7 @@
     </p:spTree>
     <p:extLst>
       <p:ext uri="{BB962C8B-B14F-4D97-AF65-F5344CB8AC3E}">
-        <p14:creationId xmlns:p14="http://schemas.microsoft.com/office/powerpoint/2010/main" val="595289302"/>
-      </p:ext>
-    </p:extLst>
-  </p:cSld>
-  <p:clrMapOvr>
-    <a:masterClrMapping/>
-  </p:clrMapOvr>
-</p:sld>
-</file>
-
-<file path=ppt/slides/slide9.xml><?xml version="1.0" encoding="utf-8"?>
-<p:sld xmlns:a="http://schemas.openxmlformats.org/drawingml/2006/main" xmlns:r="http://schemas.openxmlformats.org/officeDocument/2006/relationships" xmlns:p="http://schemas.openxmlformats.org/presentationml/2006/main">
-  <p:cSld>
-    <p:spTree>
-      <p:nvGrpSpPr>
-        <p:cNvPr id="1" name=""/>
-        <p:cNvGrpSpPr/>
-        <p:nvPr/>
-      </p:nvGrpSpPr>
-      <p:grpSpPr>
-        <a:xfrm>
-          <a:off x="0" y="0"/>
-          <a:ext cx="0" cy="0"/>
-          <a:chOff x="0" y="0"/>
-          <a:chExt cx="0" cy="0"/>
-        </a:xfrm>
-      </p:grpSpPr>
-      <p:sp>
-        <p:nvSpPr>
-          <p:cNvPr id="2" name="Title 1">
-            <a:extLst>
-              <a:ext uri="{FF2B5EF4-FFF2-40B4-BE49-F238E27FC236}">
-                <a16:creationId xmlns:a16="http://schemas.microsoft.com/office/drawing/2014/main" id="{1FF7959B-0B6F-1A44-BEC4-52A52C742328}"/>
-              </a:ext>
-            </a:extLst>
-          </p:cNvPr>
-          <p:cNvSpPr>
-            <a:spLocks noGrp="1"/>
-          </p:cNvSpPr>
-          <p:nvPr>
-            <p:ph type="title"/>
-          </p:nvPr>
-        </p:nvSpPr>
-        <p:spPr/>
-        <p:txBody>
-          <a:bodyPr/>
-          <a:lstStyle/>
-          <a:p>
-            <a:endParaRPr lang="en-US"/>
-          </a:p>
-        </p:txBody>
-      </p:sp>
-      <p:pic>
-        <p:nvPicPr>
-          <p:cNvPr id="4" name="Picture 4">
-            <a:extLst>
-              <a:ext uri="{FF2B5EF4-FFF2-40B4-BE49-F238E27FC236}">
-                <a16:creationId xmlns:a16="http://schemas.microsoft.com/office/drawing/2014/main" id="{5EFFA116-7299-B145-A583-9042872B4DB3}"/>
-              </a:ext>
-            </a:extLst>
-          </p:cNvPr>
-          <p:cNvPicPr>
-            <a:picLocks noGrp="1" noChangeAspect="1" noChangeArrowheads="1"/>
-          </p:cNvPicPr>
-          <p:nvPr>
-            <p:ph idx="1"/>
-          </p:nvPr>
-        </p:nvPicPr>
-        <p:blipFill>
-          <a:blip r:embed="rId3">
-            <a:extLst>
-              <a:ext uri="{28A0092B-C50C-407E-A947-70E740481C1C}">
-                <a14:useLocalDpi xmlns:a14="http://schemas.microsoft.com/office/drawing/2010/main" val="0"/>
-              </a:ext>
-            </a:extLst>
-          </a:blip>
-          <a:srcRect/>
-          <a:stretch>
-            <a:fillRect/>
-          </a:stretch>
-        </p:blipFill>
-        <p:spPr bwMode="auto">
-          <a:xfrm>
-            <a:off x="343780" y="95461"/>
-            <a:ext cx="5400676" cy="6758650"/>
-          </a:xfrm>
-          <a:prstGeom prst="rect">
-            <a:avLst/>
-          </a:prstGeom>
-          <a:extLst>
-            <a:ext uri="{909E8E84-426E-40DD-AFC4-6F175D3DCCD1}">
-              <a14:hiddenFill xmlns:a14="http://schemas.microsoft.com/office/drawing/2010/main">
-                <a:solidFill>
-                  <a:srgbClr val="FFFFFF"/>
-                </a:solidFill>
-              </a14:hiddenFill>
-            </a:ext>
-          </a:extLst>
-        </p:spPr>
-      </p:pic>
-      <p:pic>
-        <p:nvPicPr>
-          <p:cNvPr id="6" name="Picture 6">
-            <a:extLst>
-              <a:ext uri="{FF2B5EF4-FFF2-40B4-BE49-F238E27FC236}">
-                <a16:creationId xmlns:a16="http://schemas.microsoft.com/office/drawing/2014/main" id="{388A6D3F-044A-FE40-A911-5CFD18E21F20}"/>
-              </a:ext>
-            </a:extLst>
-          </p:cNvPr>
-          <p:cNvPicPr>
-            <a:picLocks noChangeAspect="1" noChangeArrowheads="1"/>
-          </p:cNvPicPr>
-          <p:nvPr/>
-        </p:nvPicPr>
-        <p:blipFill>
-          <a:blip r:embed="rId4">
-            <a:extLst>
-              <a:ext uri="{28A0092B-C50C-407E-A947-70E740481C1C}">
-                <a14:useLocalDpi xmlns:a14="http://schemas.microsoft.com/office/drawing/2010/main" val="0"/>
-              </a:ext>
-            </a:extLst>
-          </a:blip>
-          <a:srcRect/>
-          <a:stretch>
-            <a:fillRect/>
-          </a:stretch>
-        </p:blipFill>
-        <p:spPr bwMode="auto">
-          <a:xfrm>
-            <a:off x="6361817" y="55520"/>
-            <a:ext cx="5400675" cy="6755727"/>
-          </a:xfrm>
-          <a:prstGeom prst="rect">
-            <a:avLst/>
-          </a:prstGeom>
-          <a:extLst>
-            <a:ext uri="{909E8E84-426E-40DD-AFC4-6F175D3DCCD1}">
-              <a14:hiddenFill xmlns:a14="http://schemas.microsoft.com/office/drawing/2010/main">
-                <a:solidFill>
-                  <a:srgbClr val="FFFFFF"/>
-                </a:solidFill>
-              </a14:hiddenFill>
-            </a:ext>
-          </a:extLst>
-        </p:spPr>
-      </p:pic>
-      <p:sp>
-        <p:nvSpPr>
-          <p:cNvPr id="5" name="TextBox 4">
-            <a:extLst>
-              <a:ext uri="{FF2B5EF4-FFF2-40B4-BE49-F238E27FC236}">
-                <a16:creationId xmlns:a16="http://schemas.microsoft.com/office/drawing/2014/main" id="{99D285B0-897D-4749-A0E5-7608C3FE3E1B}"/>
-              </a:ext>
-            </a:extLst>
-          </p:cNvPr>
-          <p:cNvSpPr txBox="1"/>
-          <p:nvPr/>
-        </p:nvSpPr>
-        <p:spPr>
-          <a:xfrm>
-            <a:off x="1401059" y="-4207"/>
-            <a:ext cx="1728787" cy="369332"/>
-          </a:xfrm>
-          <a:prstGeom prst="rect">
-            <a:avLst/>
-          </a:prstGeom>
-          <a:noFill/>
-        </p:spPr>
-        <p:txBody>
-          <a:bodyPr wrap="square" rtlCol="0">
-            <a:spAutoFit/>
-          </a:bodyPr>
-          <a:lstStyle/>
-          <a:p>
-            <a:r>
-              <a:rPr lang="en-US" dirty="0"/>
-              <a:t>2018 sex ratio</a:t>
-            </a:r>
-          </a:p>
-        </p:txBody>
-      </p:sp>
-    </p:spTree>
-    <p:extLst>
-      <p:ext uri="{BB962C8B-B14F-4D97-AF65-F5344CB8AC3E}">
-        <p14:creationId xmlns:p14="http://schemas.microsoft.com/office/powerpoint/2010/main" val="423865031"/>
+        <p14:creationId xmlns:p14="http://schemas.microsoft.com/office/powerpoint/2010/main" val="2651318402"/>
       </p:ext>
     </p:extLst>
   </p:cSld>
